--- a/pdf/2022-miniworkshop-custompolicy.pptx
+++ b/pdf/2022-miniworkshop-custompolicy.pptx
@@ -5924,14 +5924,20 @@
               <a:t>custom_policy</a:t>
             </a:r>
             <a:r>
-              <a:rPr lang="en-US" dirty="0"/>
-              <a:t> </a:t>
+              <a:rPr lang="en-US"/>
+              <a:t> 8 </a:t>
+            </a:r>
+            <a:r>
+              <a:rPr lang="en-US">
+                <a:sym typeface="Wingdings" pitchFamily="2" charset="2"/>
+              </a:rPr>
+              <a:t> </a:t>
             </a:r>
             <a:r>
               <a:rPr lang="en-US" dirty="0">
                 <a:sym typeface="Wingdings" pitchFamily="2" charset="2"/>
               </a:rPr>
-              <a:t> CPU</a:t>
+              <a:t>CPU</a:t>
             </a:r>
             <a:endParaRPr lang="en-US" dirty="0"/>
           </a:p>

--- a/pdf/2022-miniworkshop-custompolicy.pptx
+++ b/pdf/2022-miniworkshop-custompolicy.pptx
@@ -205,7 +205,7 @@
           <a:p>
             <a:fld id="{7FAD6B0D-BB47-6245-8C3B-01813D99614C}" type="datetimeFigureOut">
               <a:rPr lang="en-US" smtClean="0"/>
-              <a:t>1/4/22</a:t>
+              <a:t>1/5/22</a:t>
             </a:fld>
             <a:endParaRPr lang="en-US"/>
           </a:p>
@@ -619,7 +619,7 @@
           <a:p>
             <a:fld id="{A46C7B8A-AD89-D14F-B3C7-EF4E72824287}" type="datetime1">
               <a:rPr lang="en-US" smtClean="0"/>
-              <a:t>1/4/22</a:t>
+              <a:t>1/5/22</a:t>
             </a:fld>
             <a:endParaRPr lang="en-US"/>
           </a:p>
@@ -820,7 +820,7 @@
           <a:p>
             <a:fld id="{3C09C406-0693-0643-BF33-AE94961DB9E6}" type="datetime1">
               <a:rPr lang="en-US" smtClean="0"/>
-              <a:t>1/4/22</a:t>
+              <a:t>1/5/22</a:t>
             </a:fld>
             <a:endParaRPr lang="en-US"/>
           </a:p>
@@ -1031,7 +1031,7 @@
           <a:p>
             <a:fld id="{2BDA850B-571D-0C4D-A90F-12F3FC22CE7E}" type="datetime1">
               <a:rPr lang="en-US" smtClean="0"/>
-              <a:t>1/4/22</a:t>
+              <a:t>1/5/22</a:t>
             </a:fld>
             <a:endParaRPr lang="en-US"/>
           </a:p>
@@ -1246,7 +1246,7 @@
           <a:p>
             <a:fld id="{96BF2F50-C82D-4841-BFE4-09480C327672}" type="datetime1">
               <a:rPr lang="en-US" smtClean="0"/>
-              <a:t>1/4/22</a:t>
+              <a:t>1/5/22</a:t>
             </a:fld>
             <a:endParaRPr lang="en-US"/>
           </a:p>
@@ -1524,7 +1524,7 @@
           <a:p>
             <a:fld id="{FB2A8E31-9679-CD45-8B9D-1017C7DCBC6C}" type="datetime1">
               <a:rPr lang="en-US" smtClean="0"/>
-              <a:t>1/4/22</a:t>
+              <a:t>1/5/22</a:t>
             </a:fld>
             <a:endParaRPr lang="en-US"/>
           </a:p>
@@ -1792,7 +1792,7 @@
           <a:p>
             <a:fld id="{91511089-74E5-A348-8406-DC77113B11DD}" type="datetime1">
               <a:rPr lang="en-US" smtClean="0"/>
-              <a:t>1/4/22</a:t>
+              <a:t>1/5/22</a:t>
             </a:fld>
             <a:endParaRPr lang="en-US"/>
           </a:p>
@@ -2207,7 +2207,7 @@
           <a:p>
             <a:fld id="{0490AE39-1777-184E-8F6F-6376A37DCECC}" type="datetime1">
               <a:rPr lang="en-US" smtClean="0"/>
-              <a:t>1/4/22</a:t>
+              <a:t>1/5/22</a:t>
             </a:fld>
             <a:endParaRPr lang="en-US"/>
           </a:p>
@@ -2351,7 +2351,7 @@
           <a:p>
             <a:fld id="{85A906DF-3588-534C-8826-7EC3CE33FD7E}" type="datetime1">
               <a:rPr lang="en-US" smtClean="0"/>
-              <a:t>1/4/22</a:t>
+              <a:t>1/5/22</a:t>
             </a:fld>
             <a:endParaRPr lang="en-US"/>
           </a:p>
@@ -2467,7 +2467,7 @@
           <a:p>
             <a:fld id="{C32AB40A-E344-314F-905E-7FE64A39393A}" type="datetime1">
               <a:rPr lang="en-US" smtClean="0"/>
-              <a:t>1/4/22</a:t>
+              <a:t>1/5/22</a:t>
             </a:fld>
             <a:endParaRPr lang="en-US"/>
           </a:p>
@@ -2781,7 +2781,7 @@
           <a:p>
             <a:fld id="{A548F114-FD1D-C547-A302-503754A95E7B}" type="datetime1">
               <a:rPr lang="en-US" smtClean="0"/>
-              <a:t>1/4/22</a:t>
+              <a:t>1/5/22</a:t>
             </a:fld>
             <a:endParaRPr lang="en-US"/>
           </a:p>
@@ -3072,7 +3072,7 @@
           <a:p>
             <a:fld id="{1158A666-B64B-4F47-A5AE-A148002EFC37}" type="datetime1">
               <a:rPr lang="en-US" smtClean="0"/>
-              <a:t>1/4/22</a:t>
+              <a:t>1/5/22</a:t>
             </a:fld>
             <a:endParaRPr lang="en-US"/>
           </a:p>
@@ -3316,7 +3316,7 @@
           <a:p>
             <a:fld id="{39DC4492-C473-4B4D-84F1-51858B7B6C9D}" type="datetime1">
               <a:rPr lang="en-US" smtClean="0"/>
-              <a:t>1/4/22</a:t>
+              <a:t>1/5/22</a:t>
             </a:fld>
             <a:endParaRPr lang="en-US"/>
           </a:p>
@@ -3913,11 +3913,8 @@
               <a:rPr lang="en-US" dirty="0">
                 <a:hlinkClick r:id="rId2"/>
               </a:rPr>
-              <a:t>https://github.com/ORNL/iris/tree/main/tutorials/custom_policy</a:t>
-            </a:r>
-            <a:endParaRPr lang="en-US" dirty="0"/>
-          </a:p>
-          <a:p>
+              <a:t>https://github.com/ORNL/iris/tree/main/apps/custom_policy</a:t>
+            </a:r>
             <a:endParaRPr lang="en-US" dirty="0"/>
           </a:p>
         </p:txBody>
@@ -3981,10 +3978,10 @@
       </p:sp>
       <p:pic>
         <p:nvPicPr>
-          <p:cNvPr id="7" name="Picture 6" descr="A screenshot of a computer&#10;&#10;Description automatically generated">
-            <a:extLst>
-              <a:ext uri="{FF2B5EF4-FFF2-40B4-BE49-F238E27FC236}">
-                <a16:creationId xmlns:a16="http://schemas.microsoft.com/office/drawing/2014/main" id="{2519AD6A-C739-1944-9083-874A17D9B03F}"/>
+          <p:cNvPr id="8" name="Picture 7" descr="Graphical user interface, application&#10;&#10;Description automatically generated">
+            <a:extLst>
+              <a:ext uri="{FF2B5EF4-FFF2-40B4-BE49-F238E27FC236}">
+                <a16:creationId xmlns:a16="http://schemas.microsoft.com/office/drawing/2014/main" id="{0CB4F444-3C2F-254B-A485-3EB1A4112632}"/>
               </a:ext>
             </a:extLst>
           </p:cNvPr>
@@ -4001,8 +3998,8 @@
         </p:blipFill>
         <p:spPr>
           <a:xfrm>
-            <a:off x="2998514" y="1914143"/>
-            <a:ext cx="6194972" cy="4076721"/>
+            <a:off x="2619989" y="1851133"/>
+            <a:ext cx="6952021" cy="4870342"/>
           </a:xfrm>
           <a:prstGeom prst="rect">
             <a:avLst/>

--- a/pdf/2022-miniworkshop-custompolicy.pptx
+++ b/pdf/2022-miniworkshop-custompolicy.pptx
@@ -5,18 +5,20 @@
     <p:sldMasterId id="2147483648" r:id="rId1"/>
   </p:sldMasterIdLst>
   <p:notesMasterIdLst>
-    <p:notesMasterId r:id="rId11"/>
+    <p:notesMasterId r:id="rId13"/>
   </p:notesMasterIdLst>
   <p:sldIdLst>
     <p:sldId id="256" r:id="rId2"/>
     <p:sldId id="331" r:id="rId3"/>
     <p:sldId id="258" r:id="rId4"/>
-    <p:sldId id="330" r:id="rId5"/>
-    <p:sldId id="263" r:id="rId6"/>
-    <p:sldId id="334" r:id="rId7"/>
-    <p:sldId id="333" r:id="rId8"/>
-    <p:sldId id="335" r:id="rId9"/>
-    <p:sldId id="336" r:id="rId10"/>
+    <p:sldId id="337" r:id="rId5"/>
+    <p:sldId id="330" r:id="rId6"/>
+    <p:sldId id="263" r:id="rId7"/>
+    <p:sldId id="338" r:id="rId8"/>
+    <p:sldId id="334" r:id="rId9"/>
+    <p:sldId id="333" r:id="rId10"/>
+    <p:sldId id="335" r:id="rId11"/>
+    <p:sldId id="336" r:id="rId12"/>
   </p:sldIdLst>
   <p:sldSz cx="12192000" cy="6858000"/>
   <p:notesSz cx="6858000" cy="9144000"/>
@@ -470,6 +472,258 @@
     </a:lvl9pPr>
   </p:notesStyle>
 </p:notesMaster>
+</file>
+
+<file path=ppt/notesSlides/notesSlide1.xml><?xml version="1.0" encoding="utf-8"?>
+<p:notes xmlns:a="http://schemas.openxmlformats.org/drawingml/2006/main" xmlns:r="http://schemas.openxmlformats.org/officeDocument/2006/relationships" xmlns:p="http://schemas.openxmlformats.org/presentationml/2006/main">
+  <p:cSld>
+    <p:spTree>
+      <p:nvGrpSpPr>
+        <p:cNvPr id="1" name=""/>
+        <p:cNvGrpSpPr/>
+        <p:nvPr/>
+      </p:nvGrpSpPr>
+      <p:grpSpPr>
+        <a:xfrm>
+          <a:off x="0" y="0"/>
+          <a:ext cx="0" cy="0"/>
+          <a:chOff x="0" y="0"/>
+          <a:chExt cx="0" cy="0"/>
+        </a:xfrm>
+      </p:grpSpPr>
+      <p:sp>
+        <p:nvSpPr>
+          <p:cNvPr id="2" name="Slide Image Placeholder 1"/>
+          <p:cNvSpPr>
+            <a:spLocks noGrp="1" noRot="1" noChangeAspect="1"/>
+          </p:cNvSpPr>
+          <p:nvPr>
+            <p:ph type="sldImg"/>
+          </p:nvPr>
+        </p:nvSpPr>
+        <p:spPr/>
+      </p:sp>
+      <p:sp>
+        <p:nvSpPr>
+          <p:cNvPr id="3" name="Notes Placeholder 2"/>
+          <p:cNvSpPr>
+            <a:spLocks noGrp="1"/>
+          </p:cNvSpPr>
+          <p:nvPr>
+            <p:ph type="body" idx="1"/>
+          </p:nvPr>
+        </p:nvSpPr>
+        <p:spPr/>
+        <p:txBody>
+          <a:bodyPr/>
+          <a:lstStyle/>
+          <a:p>
+            <a:endParaRPr lang="en-US" dirty="0"/>
+          </a:p>
+        </p:txBody>
+      </p:sp>
+      <p:sp>
+        <p:nvSpPr>
+          <p:cNvPr id="4" name="Slide Number Placeholder 3"/>
+          <p:cNvSpPr>
+            <a:spLocks noGrp="1"/>
+          </p:cNvSpPr>
+          <p:nvPr>
+            <p:ph type="sldNum" sz="quarter" idx="5"/>
+          </p:nvPr>
+        </p:nvSpPr>
+        <p:spPr/>
+        <p:txBody>
+          <a:bodyPr/>
+          <a:lstStyle/>
+          <a:p>
+            <a:fld id="{DCD0CB05-3D54-7442-9433-DE06E6A20F7D}" type="slidenum">
+              <a:rPr lang="en-US" smtClean="0"/>
+              <a:t>5</a:t>
+            </a:fld>
+            <a:endParaRPr lang="en-US"/>
+          </a:p>
+        </p:txBody>
+      </p:sp>
+    </p:spTree>
+    <p:extLst>
+      <p:ext uri="{BB962C8B-B14F-4D97-AF65-F5344CB8AC3E}">
+        <p14:creationId xmlns:p14="http://schemas.microsoft.com/office/powerpoint/2010/main" val="58542524"/>
+      </p:ext>
+    </p:extLst>
+  </p:cSld>
+  <p:clrMapOvr>
+    <a:masterClrMapping/>
+  </p:clrMapOvr>
+</p:notes>
+</file>
+
+<file path=ppt/notesSlides/notesSlide2.xml><?xml version="1.0" encoding="utf-8"?>
+<p:notes xmlns:a="http://schemas.openxmlformats.org/drawingml/2006/main" xmlns:r="http://schemas.openxmlformats.org/officeDocument/2006/relationships" xmlns:p="http://schemas.openxmlformats.org/presentationml/2006/main">
+  <p:cSld>
+    <p:spTree>
+      <p:nvGrpSpPr>
+        <p:cNvPr id="1" name=""/>
+        <p:cNvGrpSpPr/>
+        <p:nvPr/>
+      </p:nvGrpSpPr>
+      <p:grpSpPr>
+        <a:xfrm>
+          <a:off x="0" y="0"/>
+          <a:ext cx="0" cy="0"/>
+          <a:chOff x="0" y="0"/>
+          <a:chExt cx="0" cy="0"/>
+        </a:xfrm>
+      </p:grpSpPr>
+      <p:sp>
+        <p:nvSpPr>
+          <p:cNvPr id="2" name="Slide Image Placeholder 1"/>
+          <p:cNvSpPr>
+            <a:spLocks noGrp="1" noRot="1" noChangeAspect="1"/>
+          </p:cNvSpPr>
+          <p:nvPr>
+            <p:ph type="sldImg"/>
+          </p:nvPr>
+        </p:nvSpPr>
+        <p:spPr/>
+      </p:sp>
+      <p:sp>
+        <p:nvSpPr>
+          <p:cNvPr id="3" name="Notes Placeholder 2"/>
+          <p:cNvSpPr>
+            <a:spLocks noGrp="1"/>
+          </p:cNvSpPr>
+          <p:nvPr>
+            <p:ph type="body" idx="1"/>
+          </p:nvPr>
+        </p:nvSpPr>
+        <p:spPr/>
+        <p:txBody>
+          <a:bodyPr/>
+          <a:lstStyle/>
+          <a:p>
+            <a:endParaRPr lang="en-US" dirty="0"/>
+          </a:p>
+        </p:txBody>
+      </p:sp>
+      <p:sp>
+        <p:nvSpPr>
+          <p:cNvPr id="4" name="Slide Number Placeholder 3"/>
+          <p:cNvSpPr>
+            <a:spLocks noGrp="1"/>
+          </p:cNvSpPr>
+          <p:nvPr>
+            <p:ph type="sldNum" sz="quarter" idx="5"/>
+          </p:nvPr>
+        </p:nvSpPr>
+        <p:spPr/>
+        <p:txBody>
+          <a:bodyPr/>
+          <a:lstStyle/>
+          <a:p>
+            <a:fld id="{DCD0CB05-3D54-7442-9433-DE06E6A20F7D}" type="slidenum">
+              <a:rPr lang="en-US" smtClean="0"/>
+              <a:t>6</a:t>
+            </a:fld>
+            <a:endParaRPr lang="en-US"/>
+          </a:p>
+        </p:txBody>
+      </p:sp>
+    </p:spTree>
+    <p:extLst>
+      <p:ext uri="{BB962C8B-B14F-4D97-AF65-F5344CB8AC3E}">
+        <p14:creationId xmlns:p14="http://schemas.microsoft.com/office/powerpoint/2010/main" val="1196905808"/>
+      </p:ext>
+    </p:extLst>
+  </p:cSld>
+  <p:clrMapOvr>
+    <a:masterClrMapping/>
+  </p:clrMapOvr>
+</p:notes>
+</file>
+
+<file path=ppt/notesSlides/notesSlide3.xml><?xml version="1.0" encoding="utf-8"?>
+<p:notes xmlns:a="http://schemas.openxmlformats.org/drawingml/2006/main" xmlns:r="http://schemas.openxmlformats.org/officeDocument/2006/relationships" xmlns:p="http://schemas.openxmlformats.org/presentationml/2006/main">
+  <p:cSld>
+    <p:spTree>
+      <p:nvGrpSpPr>
+        <p:cNvPr id="1" name=""/>
+        <p:cNvGrpSpPr/>
+        <p:nvPr/>
+      </p:nvGrpSpPr>
+      <p:grpSpPr>
+        <a:xfrm>
+          <a:off x="0" y="0"/>
+          <a:ext cx="0" cy="0"/>
+          <a:chOff x="0" y="0"/>
+          <a:chExt cx="0" cy="0"/>
+        </a:xfrm>
+      </p:grpSpPr>
+      <p:sp>
+        <p:nvSpPr>
+          <p:cNvPr id="2" name="Slide Image Placeholder 1"/>
+          <p:cNvSpPr>
+            <a:spLocks noGrp="1" noRot="1" noChangeAspect="1"/>
+          </p:cNvSpPr>
+          <p:nvPr>
+            <p:ph type="sldImg"/>
+          </p:nvPr>
+        </p:nvSpPr>
+        <p:spPr/>
+      </p:sp>
+      <p:sp>
+        <p:nvSpPr>
+          <p:cNvPr id="3" name="Notes Placeholder 2"/>
+          <p:cNvSpPr>
+            <a:spLocks noGrp="1"/>
+          </p:cNvSpPr>
+          <p:nvPr>
+            <p:ph type="body" idx="1"/>
+          </p:nvPr>
+        </p:nvSpPr>
+        <p:spPr/>
+        <p:txBody>
+          <a:bodyPr/>
+          <a:lstStyle/>
+          <a:p>
+            <a:endParaRPr lang="en-US" dirty="0"/>
+          </a:p>
+        </p:txBody>
+      </p:sp>
+      <p:sp>
+        <p:nvSpPr>
+          <p:cNvPr id="4" name="Slide Number Placeholder 3"/>
+          <p:cNvSpPr>
+            <a:spLocks noGrp="1"/>
+          </p:cNvSpPr>
+          <p:nvPr>
+            <p:ph type="sldNum" sz="quarter" idx="5"/>
+          </p:nvPr>
+        </p:nvSpPr>
+        <p:spPr/>
+        <p:txBody>
+          <a:bodyPr/>
+          <a:lstStyle/>
+          <a:p>
+            <a:fld id="{DCD0CB05-3D54-7442-9433-DE06E6A20F7D}" type="slidenum">
+              <a:rPr lang="en-US" smtClean="0"/>
+              <a:t>7</a:t>
+            </a:fld>
+            <a:endParaRPr lang="en-US"/>
+          </a:p>
+        </p:txBody>
+      </p:sp>
+    </p:spTree>
+    <p:extLst>
+      <p:ext uri="{BB962C8B-B14F-4D97-AF65-F5344CB8AC3E}">
+        <p14:creationId xmlns:p14="http://schemas.microsoft.com/office/powerpoint/2010/main" val="1138363743"/>
+      </p:ext>
+    </p:extLst>
+  </p:cSld>
+  <p:clrMapOvr>
+    <a:masterClrMapping/>
+  </p:clrMapOvr>
+</p:notes>
 </file>
 
 <file path=ppt/slideLayouts/slideLayout1.xml><?xml version="1.0" encoding="utf-8"?>
@@ -3838,6 +4092,338 @@
 </p:sld>
 </file>
 
+<file path=ppt/slides/slide10.xml><?xml version="1.0" encoding="utf-8"?>
+<p:sld xmlns:a="http://schemas.openxmlformats.org/drawingml/2006/main" xmlns:r="http://schemas.openxmlformats.org/officeDocument/2006/relationships" xmlns:p="http://schemas.openxmlformats.org/presentationml/2006/main">
+  <p:cSld>
+    <p:spTree>
+      <p:nvGrpSpPr>
+        <p:cNvPr id="1" name=""/>
+        <p:cNvGrpSpPr/>
+        <p:nvPr/>
+      </p:nvGrpSpPr>
+      <p:grpSpPr>
+        <a:xfrm>
+          <a:off x="0" y="0"/>
+          <a:ext cx="0" cy="0"/>
+          <a:chOff x="0" y="0"/>
+          <a:chExt cx="0" cy="0"/>
+        </a:xfrm>
+      </p:grpSpPr>
+      <p:sp>
+        <p:nvSpPr>
+          <p:cNvPr id="2" name="Title 1">
+            <a:extLst>
+              <a:ext uri="{FF2B5EF4-FFF2-40B4-BE49-F238E27FC236}">
+                <a16:creationId xmlns:a16="http://schemas.microsoft.com/office/drawing/2014/main" id="{C30E61D6-80D8-F949-8809-BBEC2339D288}"/>
+              </a:ext>
+            </a:extLst>
+          </p:cNvPr>
+          <p:cNvSpPr>
+            <a:spLocks noGrp="1"/>
+          </p:cNvSpPr>
+          <p:nvPr>
+            <p:ph type="title"/>
+          </p:nvPr>
+        </p:nvSpPr>
+        <p:spPr/>
+        <p:txBody>
+          <a:bodyPr/>
+          <a:lstStyle/>
+          <a:p>
+            <a:r>
+              <a:rPr lang="en-US" dirty="0" err="1"/>
+              <a:t>custom_policy</a:t>
+            </a:r>
+            <a:r>
+              <a:rPr lang="en-US" dirty="0"/>
+              <a:t>/</a:t>
+            </a:r>
+            <a:r>
+              <a:rPr lang="en-US" dirty="0" err="1"/>
+              <a:t>custom_policy</a:t>
+            </a:r>
+            <a:r>
+              <a:rPr lang="en-US"/>
+              <a:t> 8 </a:t>
+            </a:r>
+            <a:r>
+              <a:rPr lang="en-US">
+                <a:sym typeface="Wingdings" pitchFamily="2" charset="2"/>
+              </a:rPr>
+              <a:t> </a:t>
+            </a:r>
+            <a:r>
+              <a:rPr lang="en-US" dirty="0">
+                <a:sym typeface="Wingdings" pitchFamily="2" charset="2"/>
+              </a:rPr>
+              <a:t>CPU</a:t>
+            </a:r>
+            <a:endParaRPr lang="en-US" dirty="0"/>
+          </a:p>
+        </p:txBody>
+      </p:sp>
+      <p:pic>
+        <p:nvPicPr>
+          <p:cNvPr id="7" name="Content Placeholder 6" descr="Text&#10;&#10;Description automatically generated">
+            <a:extLst>
+              <a:ext uri="{FF2B5EF4-FFF2-40B4-BE49-F238E27FC236}">
+                <a16:creationId xmlns:a16="http://schemas.microsoft.com/office/drawing/2014/main" id="{9999A8DB-2649-3943-ABB8-5F6192857F79}"/>
+              </a:ext>
+            </a:extLst>
+          </p:cNvPr>
+          <p:cNvPicPr>
+            <a:picLocks noGrp="1" noChangeAspect="1"/>
+          </p:cNvPicPr>
+          <p:nvPr>
+            <p:ph idx="1"/>
+          </p:nvPr>
+        </p:nvPicPr>
+        <p:blipFill>
+          <a:blip r:embed="rId2"/>
+          <a:stretch>
+            <a:fillRect/>
+          </a:stretch>
+        </p:blipFill>
+        <p:spPr>
+          <a:xfrm>
+            <a:off x="2599989" y="1314450"/>
+            <a:ext cx="6992021" cy="4846638"/>
+          </a:xfrm>
+        </p:spPr>
+      </p:pic>
+      <p:sp>
+        <p:nvSpPr>
+          <p:cNvPr id="4" name="Footer Placeholder 3">
+            <a:extLst>
+              <a:ext uri="{FF2B5EF4-FFF2-40B4-BE49-F238E27FC236}">
+                <a16:creationId xmlns:a16="http://schemas.microsoft.com/office/drawing/2014/main" id="{8B3ACC4C-A074-1D4E-8B1D-6D9367C6A9A9}"/>
+              </a:ext>
+            </a:extLst>
+          </p:cNvPr>
+          <p:cNvSpPr>
+            <a:spLocks noGrp="1"/>
+          </p:cNvSpPr>
+          <p:nvPr>
+            <p:ph type="ftr" sz="quarter" idx="11"/>
+          </p:nvPr>
+        </p:nvSpPr>
+        <p:spPr/>
+        <p:txBody>
+          <a:bodyPr/>
+          <a:lstStyle/>
+          <a:p>
+            <a:r>
+              <a:rPr lang="en-US"/>
+              <a:t>IRIS mini workshop 2022</a:t>
+            </a:r>
+          </a:p>
+        </p:txBody>
+      </p:sp>
+      <p:sp>
+        <p:nvSpPr>
+          <p:cNvPr id="5" name="Slide Number Placeholder 4">
+            <a:extLst>
+              <a:ext uri="{FF2B5EF4-FFF2-40B4-BE49-F238E27FC236}">
+                <a16:creationId xmlns:a16="http://schemas.microsoft.com/office/drawing/2014/main" id="{557FDD0E-AA77-E14A-B119-984AF3024AE7}"/>
+              </a:ext>
+            </a:extLst>
+          </p:cNvPr>
+          <p:cNvSpPr>
+            <a:spLocks noGrp="1"/>
+          </p:cNvSpPr>
+          <p:nvPr>
+            <p:ph type="sldNum" sz="quarter" idx="12"/>
+          </p:nvPr>
+        </p:nvSpPr>
+        <p:spPr/>
+        <p:txBody>
+          <a:bodyPr/>
+          <a:lstStyle/>
+          <a:p>
+            <a:fld id="{35A43AB0-3BDF-BB48-89EA-9F1E831E61CF}" type="slidenum">
+              <a:rPr lang="en-US" smtClean="0"/>
+              <a:t>10</a:t>
+            </a:fld>
+            <a:endParaRPr lang="en-US"/>
+          </a:p>
+        </p:txBody>
+      </p:sp>
+    </p:spTree>
+    <p:extLst>
+      <p:ext uri="{BB962C8B-B14F-4D97-AF65-F5344CB8AC3E}">
+        <p14:creationId xmlns:p14="http://schemas.microsoft.com/office/powerpoint/2010/main" val="778966031"/>
+      </p:ext>
+    </p:extLst>
+  </p:cSld>
+  <p:clrMapOvr>
+    <a:masterClrMapping/>
+  </p:clrMapOvr>
+</p:sld>
+</file>
+
+<file path=ppt/slides/slide11.xml><?xml version="1.0" encoding="utf-8"?>
+<p:sld xmlns:a="http://schemas.openxmlformats.org/drawingml/2006/main" xmlns:r="http://schemas.openxmlformats.org/officeDocument/2006/relationships" xmlns:p="http://schemas.openxmlformats.org/presentationml/2006/main">
+  <p:cSld>
+    <p:spTree>
+      <p:nvGrpSpPr>
+        <p:cNvPr id="1" name=""/>
+        <p:cNvGrpSpPr/>
+        <p:nvPr/>
+      </p:nvGrpSpPr>
+      <p:grpSpPr>
+        <a:xfrm>
+          <a:off x="0" y="0"/>
+          <a:ext cx="0" cy="0"/>
+          <a:chOff x="0" y="0"/>
+          <a:chExt cx="0" cy="0"/>
+        </a:xfrm>
+      </p:grpSpPr>
+      <p:sp>
+        <p:nvSpPr>
+          <p:cNvPr id="2" name="Title 1">
+            <a:extLst>
+              <a:ext uri="{FF2B5EF4-FFF2-40B4-BE49-F238E27FC236}">
+                <a16:creationId xmlns:a16="http://schemas.microsoft.com/office/drawing/2014/main" id="{C30E61D6-80D8-F949-8809-BBEC2339D288}"/>
+              </a:ext>
+            </a:extLst>
+          </p:cNvPr>
+          <p:cNvSpPr>
+            <a:spLocks noGrp="1"/>
+          </p:cNvSpPr>
+          <p:nvPr>
+            <p:ph type="title"/>
+          </p:nvPr>
+        </p:nvSpPr>
+        <p:spPr/>
+        <p:txBody>
+          <a:bodyPr/>
+          <a:lstStyle/>
+          <a:p>
+            <a:r>
+              <a:rPr lang="en-US" dirty="0" err="1"/>
+              <a:t>custom_policy</a:t>
+            </a:r>
+            <a:r>
+              <a:rPr lang="en-US" dirty="0"/>
+              <a:t>/</a:t>
+            </a:r>
+            <a:r>
+              <a:rPr lang="en-US" dirty="0" err="1"/>
+              <a:t>custom_policy</a:t>
+            </a:r>
+            <a:r>
+              <a:rPr lang="en-US" dirty="0"/>
+              <a:t> 32 </a:t>
+            </a:r>
+            <a:r>
+              <a:rPr lang="en-US" dirty="0">
+                <a:sym typeface="Wingdings" pitchFamily="2" charset="2"/>
+              </a:rPr>
+              <a:t> GPU</a:t>
+            </a:r>
+            <a:endParaRPr lang="en-US" dirty="0"/>
+          </a:p>
+        </p:txBody>
+      </p:sp>
+      <p:sp>
+        <p:nvSpPr>
+          <p:cNvPr id="4" name="Footer Placeholder 3">
+            <a:extLst>
+              <a:ext uri="{FF2B5EF4-FFF2-40B4-BE49-F238E27FC236}">
+                <a16:creationId xmlns:a16="http://schemas.microsoft.com/office/drawing/2014/main" id="{8B3ACC4C-A074-1D4E-8B1D-6D9367C6A9A9}"/>
+              </a:ext>
+            </a:extLst>
+          </p:cNvPr>
+          <p:cNvSpPr>
+            <a:spLocks noGrp="1"/>
+          </p:cNvSpPr>
+          <p:nvPr>
+            <p:ph type="ftr" sz="quarter" idx="11"/>
+          </p:nvPr>
+        </p:nvSpPr>
+        <p:spPr/>
+        <p:txBody>
+          <a:bodyPr/>
+          <a:lstStyle/>
+          <a:p>
+            <a:r>
+              <a:rPr lang="en-US"/>
+              <a:t>IRIS mini workshop 2022</a:t>
+            </a:r>
+          </a:p>
+        </p:txBody>
+      </p:sp>
+      <p:sp>
+        <p:nvSpPr>
+          <p:cNvPr id="5" name="Slide Number Placeholder 4">
+            <a:extLst>
+              <a:ext uri="{FF2B5EF4-FFF2-40B4-BE49-F238E27FC236}">
+                <a16:creationId xmlns:a16="http://schemas.microsoft.com/office/drawing/2014/main" id="{557FDD0E-AA77-E14A-B119-984AF3024AE7}"/>
+              </a:ext>
+            </a:extLst>
+          </p:cNvPr>
+          <p:cNvSpPr>
+            <a:spLocks noGrp="1"/>
+          </p:cNvSpPr>
+          <p:nvPr>
+            <p:ph type="sldNum" sz="quarter" idx="12"/>
+          </p:nvPr>
+        </p:nvSpPr>
+        <p:spPr/>
+        <p:txBody>
+          <a:bodyPr/>
+          <a:lstStyle/>
+          <a:p>
+            <a:fld id="{35A43AB0-3BDF-BB48-89EA-9F1E831E61CF}" type="slidenum">
+              <a:rPr lang="en-US" smtClean="0"/>
+              <a:t>11</a:t>
+            </a:fld>
+            <a:endParaRPr lang="en-US"/>
+          </a:p>
+        </p:txBody>
+      </p:sp>
+      <p:pic>
+        <p:nvPicPr>
+          <p:cNvPr id="9" name="Content Placeholder 8" descr="Text&#10;&#10;Description automatically generated">
+            <a:extLst>
+              <a:ext uri="{FF2B5EF4-FFF2-40B4-BE49-F238E27FC236}">
+                <a16:creationId xmlns:a16="http://schemas.microsoft.com/office/drawing/2014/main" id="{63282A00-49D8-C043-B84D-82AAFD66E7DE}"/>
+              </a:ext>
+            </a:extLst>
+          </p:cNvPr>
+          <p:cNvPicPr>
+            <a:picLocks noGrp="1" noChangeAspect="1"/>
+          </p:cNvPicPr>
+          <p:nvPr>
+            <p:ph idx="1"/>
+          </p:nvPr>
+        </p:nvPicPr>
+        <p:blipFill>
+          <a:blip r:embed="rId2"/>
+          <a:stretch>
+            <a:fillRect/>
+          </a:stretch>
+        </p:blipFill>
+        <p:spPr>
+          <a:xfrm>
+            <a:off x="2599989" y="1314450"/>
+            <a:ext cx="6992021" cy="4846638"/>
+          </a:xfrm>
+        </p:spPr>
+      </p:pic>
+    </p:spTree>
+    <p:extLst>
+      <p:ext uri="{BB962C8B-B14F-4D97-AF65-F5344CB8AC3E}">
+        <p14:creationId xmlns:p14="http://schemas.microsoft.com/office/powerpoint/2010/main" val="3330991529"/>
+      </p:ext>
+    </p:extLst>
+  </p:cSld>
+  <p:clrMapOvr>
+    <a:masterClrMapping/>
+  </p:clrMapOvr>
+</p:sld>
+</file>
+
 <file path=ppt/slides/slide2.xml><?xml version="1.0" encoding="utf-8"?>
 <p:sld xmlns:a="http://schemas.openxmlformats.org/drawingml/2006/main" xmlns:r="http://schemas.openxmlformats.org/officeDocument/2006/relationships" xmlns:p="http://schemas.openxmlformats.org/presentationml/2006/main">
   <p:cSld>
@@ -4222,7 +4808,7 @@
           <p:cNvPr id="2" name="Title 1">
             <a:extLst>
               <a:ext uri="{FF2B5EF4-FFF2-40B4-BE49-F238E27FC236}">
-                <a16:creationId xmlns:a16="http://schemas.microsoft.com/office/drawing/2014/main" id="{EB3E63C6-2C7A-D940-B649-6BEC7E0781A2}"/>
+                <a16:creationId xmlns:a16="http://schemas.microsoft.com/office/drawing/2014/main" id="{9E3E117F-44C0-A046-851C-F014C47B12F7}"/>
               </a:ext>
             </a:extLst>
           </p:cNvPr>
@@ -4239,8 +4825,28 @@
           <a:lstStyle/>
           <a:p>
             <a:r>
+              <a:rPr lang="en-US" dirty="0">
+                <a:solidFill>
+                  <a:schemeClr val="accent1"/>
+                </a:solidFill>
+              </a:rPr>
+              <a:t>I</a:t>
+            </a:r>
+            <a:r>
               <a:rPr lang="en-US" dirty="0"/>
-              <a:t>IRIS Custom Policies</a:t>
+              <a:t>RIS: </a:t>
+            </a:r>
+            <a:r>
+              <a:rPr lang="en-US" i="1" dirty="0">
+                <a:solidFill>
+                  <a:schemeClr val="accent1"/>
+                </a:solidFill>
+              </a:rPr>
+              <a:t>Intelligent</a:t>
+            </a:r>
+            <a:r>
+              <a:rPr lang="en-US" dirty="0"/>
+              <a:t> Runtime System</a:t>
             </a:r>
           </a:p>
         </p:txBody>
@@ -4250,7 +4856,7 @@
           <p:cNvPr id="3" name="Content Placeholder 2">
             <a:extLst>
               <a:ext uri="{FF2B5EF4-FFF2-40B4-BE49-F238E27FC236}">
-                <a16:creationId xmlns:a16="http://schemas.microsoft.com/office/drawing/2014/main" id="{D38C095B-CEB1-EE45-BC45-A81920794719}"/>
+                <a16:creationId xmlns:a16="http://schemas.microsoft.com/office/drawing/2014/main" id="{BD45002E-2789-9E45-8ECF-DC1703145B70}"/>
               </a:ext>
             </a:extLst>
           </p:cNvPr>
@@ -4268,7 +4874,21 @@
           <a:p>
             <a:r>
               <a:rPr lang="en-US" dirty="0"/>
-              <a:t>Users can write their own device selection policies and plug them in the IRIS task scheduler</a:t>
+              <a:t>IRIS can provide intelligent policies</a:t>
+            </a:r>
+          </a:p>
+          <a:p>
+            <a:pPr lvl="1"/>
+            <a:r>
+              <a:rPr lang="en-US" dirty="0"/>
+              <a:t>Device selection policies</a:t>
+            </a:r>
+          </a:p>
+          <a:p>
+            <a:pPr lvl="1"/>
+            <a:r>
+              <a:rPr lang="en-US" dirty="0"/>
+              <a:t>Kernel selection policies</a:t>
             </a:r>
           </a:p>
         </p:txBody>
@@ -4278,7 +4898,7 @@
           <p:cNvPr id="4" name="Footer Placeholder 3">
             <a:extLst>
               <a:ext uri="{FF2B5EF4-FFF2-40B4-BE49-F238E27FC236}">
-                <a16:creationId xmlns:a16="http://schemas.microsoft.com/office/drawing/2014/main" id="{A77CE402-7BE7-F949-BB60-E503F9EF8673}"/>
+                <a16:creationId xmlns:a16="http://schemas.microsoft.com/office/drawing/2014/main" id="{C7AE2F62-CE18-144E-AE95-7744CBCC9494}"/>
               </a:ext>
             </a:extLst>
           </p:cNvPr>
@@ -4306,7 +4926,7 @@
           <p:cNvPr id="5" name="Slide Number Placeholder 4">
             <a:extLst>
               <a:ext uri="{FF2B5EF4-FFF2-40B4-BE49-F238E27FC236}">
-                <a16:creationId xmlns:a16="http://schemas.microsoft.com/office/drawing/2014/main" id="{6D53B702-05FE-8C4D-B920-2D8BCA808D53}"/>
+                <a16:creationId xmlns:a16="http://schemas.microsoft.com/office/drawing/2014/main" id="{08871A0F-BC33-C547-9FEE-4592FF037C01}"/>
               </a:ext>
             </a:extLst>
           </p:cNvPr>
@@ -4330,12 +4950,828 @@
           </a:p>
         </p:txBody>
       </p:sp>
+      <p:sp>
+        <p:nvSpPr>
+          <p:cNvPr id="6" name="Rounded Rectangle 5">
+            <a:extLst>
+              <a:ext uri="{FF2B5EF4-FFF2-40B4-BE49-F238E27FC236}">
+                <a16:creationId xmlns:a16="http://schemas.microsoft.com/office/drawing/2014/main" id="{1C1B288E-C319-4A4F-9E07-099C677F1C7E}"/>
+              </a:ext>
+            </a:extLst>
+          </p:cNvPr>
+          <p:cNvSpPr/>
+          <p:nvPr/>
+        </p:nvSpPr>
+        <p:spPr>
+          <a:xfrm>
+            <a:off x="2908714" y="2838006"/>
+            <a:ext cx="2743200" cy="3108960"/>
+          </a:xfrm>
+          <a:prstGeom prst="roundRect">
+            <a:avLst>
+              <a:gd name="adj" fmla="val 3168"/>
+            </a:avLst>
+          </a:prstGeom>
+          <a:solidFill>
+            <a:srgbClr val="4472C4"/>
+          </a:solidFill>
+          <a:ln w="12700" cap="flat" cmpd="sng" algn="ctr">
+            <a:noFill/>
+            <a:prstDash val="solid"/>
+            <a:miter lim="800000"/>
+          </a:ln>
+          <a:effectLst/>
+        </p:spPr>
+        <p:txBody>
+          <a:bodyPr lIns="0" tIns="64008" rIns="0" bIns="0" rtlCol="0" anchor="t" anchorCtr="0"/>
+          <a:lstStyle/>
+          <a:p>
+            <a:pPr marL="0" marR="0" lvl="0" indent="0" algn="ctr" defTabSz="914400" eaLnBrk="1" fontAlgn="auto" latinLnBrk="0" hangingPunct="1">
+              <a:lnSpc>
+                <a:spcPct val="100000"/>
+              </a:lnSpc>
+              <a:spcBef>
+                <a:spcPts val="0"/>
+              </a:spcBef>
+              <a:spcAft>
+                <a:spcPts val="0"/>
+              </a:spcAft>
+              <a:buClrTx/>
+              <a:buSzTx/>
+              <a:buFontTx/>
+              <a:buNone/>
+              <a:tabLst/>
+              <a:defRPr/>
+            </a:pPr>
+            <a:r>
+              <a:rPr kumimoji="0" lang="en-US" sz="4000" b="1" i="1" u="none" strike="noStrike" kern="0" cap="none" spc="0" normalizeH="0" baseline="0" noProof="0" dirty="0">
+                <a:ln>
+                  <a:noFill/>
+                </a:ln>
+                <a:solidFill>
+                  <a:prstClr val="white"/>
+                </a:solidFill>
+                <a:effectLst/>
+                <a:uLnTx/>
+                <a:uFillTx/>
+                <a:latin typeface="Calibri" panose="020F0502020204030204"/>
+                <a:ea typeface="+mn-ea"/>
+                <a:cs typeface="+mn-cs"/>
+              </a:rPr>
+              <a:t>Task Scheduler</a:t>
+            </a:r>
+          </a:p>
+        </p:txBody>
+      </p:sp>
+      <p:sp>
+        <p:nvSpPr>
+          <p:cNvPr id="8" name="Pentagon 7">
+            <a:extLst>
+              <a:ext uri="{FF2B5EF4-FFF2-40B4-BE49-F238E27FC236}">
+                <a16:creationId xmlns:a16="http://schemas.microsoft.com/office/drawing/2014/main" id="{E6FCDC4D-2795-B741-BADD-834139552A90}"/>
+              </a:ext>
+            </a:extLst>
+          </p:cNvPr>
+          <p:cNvSpPr/>
+          <p:nvPr/>
+        </p:nvSpPr>
+        <p:spPr>
+          <a:xfrm rot="16200000">
+            <a:off x="3243941" y="4982705"/>
+            <a:ext cx="1463040" cy="457200"/>
+          </a:xfrm>
+          <a:prstGeom prst="homePlate">
+            <a:avLst/>
+          </a:prstGeom>
+          <a:solidFill>
+            <a:srgbClr val="FFC000"/>
+          </a:solidFill>
+          <a:ln w="12700" cap="flat" cmpd="sng" algn="ctr">
+            <a:noFill/>
+            <a:prstDash val="solid"/>
+            <a:miter lim="800000"/>
+          </a:ln>
+          <a:effectLst/>
+        </p:spPr>
+        <p:txBody>
+          <a:bodyPr vert="horz" lIns="0" tIns="0" rIns="0" bIns="0" rtlCol="0" anchor="ctr"/>
+          <a:lstStyle/>
+          <a:p>
+            <a:pPr marL="0" marR="0" lvl="0" indent="0" algn="ctr" defTabSz="914400" eaLnBrk="1" fontAlgn="auto" latinLnBrk="0" hangingPunct="1">
+              <a:lnSpc>
+                <a:spcPct val="100000"/>
+              </a:lnSpc>
+              <a:spcBef>
+                <a:spcPts val="0"/>
+              </a:spcBef>
+              <a:spcAft>
+                <a:spcPts val="0"/>
+              </a:spcAft>
+              <a:buClrTx/>
+              <a:buSzTx/>
+              <a:buFontTx/>
+              <a:buNone/>
+              <a:tabLst/>
+              <a:defRPr/>
+            </a:pPr>
+            <a:r>
+              <a:rPr kumimoji="0" lang="en-US" sz="1600" b="1" i="1" u="none" strike="noStrike" kern="0" cap="none" spc="0" normalizeH="0" baseline="0" noProof="0" dirty="0" err="1">
+                <a:ln>
+                  <a:noFill/>
+                </a:ln>
+                <a:effectLst/>
+                <a:uLnTx/>
+                <a:uFillTx/>
+                <a:latin typeface="Calibri" panose="020F0502020204030204"/>
+                <a:ea typeface="+mn-ea"/>
+                <a:cs typeface="+mn-cs"/>
+              </a:rPr>
+              <a:t>RoundRobin</a:t>
+            </a:r>
+            <a:endParaRPr kumimoji="0" lang="en-US" sz="1600" b="1" i="1" u="none" strike="noStrike" kern="0" cap="none" spc="0" normalizeH="0" baseline="0" noProof="0" dirty="0">
+              <a:ln>
+                <a:noFill/>
+              </a:ln>
+              <a:effectLst/>
+              <a:uLnTx/>
+              <a:uFillTx/>
+              <a:latin typeface="Calibri" panose="020F0502020204030204"/>
+              <a:ea typeface="+mn-ea"/>
+              <a:cs typeface="+mn-cs"/>
+            </a:endParaRPr>
+          </a:p>
+        </p:txBody>
+      </p:sp>
+      <p:sp>
+        <p:nvSpPr>
+          <p:cNvPr id="9" name="Pentagon 8">
+            <a:extLst>
+              <a:ext uri="{FF2B5EF4-FFF2-40B4-BE49-F238E27FC236}">
+                <a16:creationId xmlns:a16="http://schemas.microsoft.com/office/drawing/2014/main" id="{16B9C72C-74FC-2346-8538-7CA10585B939}"/>
+              </a:ext>
+            </a:extLst>
+          </p:cNvPr>
+          <p:cNvSpPr/>
+          <p:nvPr/>
+        </p:nvSpPr>
+        <p:spPr>
+          <a:xfrm rot="16200000">
+            <a:off x="3867205" y="4982705"/>
+            <a:ext cx="1463040" cy="457200"/>
+          </a:xfrm>
+          <a:prstGeom prst="homePlate">
+            <a:avLst/>
+          </a:prstGeom>
+          <a:solidFill>
+            <a:srgbClr val="FFC000"/>
+          </a:solidFill>
+          <a:ln w="12700" cap="flat" cmpd="sng" algn="ctr">
+            <a:noFill/>
+            <a:prstDash val="solid"/>
+            <a:miter lim="800000"/>
+          </a:ln>
+          <a:effectLst/>
+        </p:spPr>
+        <p:txBody>
+          <a:bodyPr vert="horz" lIns="0" tIns="0" rIns="0" bIns="0" rtlCol="0" anchor="ctr"/>
+          <a:lstStyle/>
+          <a:p>
+            <a:pPr marL="0" marR="0" lvl="0" indent="0" algn="ctr" defTabSz="914400" eaLnBrk="1" fontAlgn="auto" latinLnBrk="0" hangingPunct="1">
+              <a:lnSpc>
+                <a:spcPct val="100000"/>
+              </a:lnSpc>
+              <a:spcBef>
+                <a:spcPts val="0"/>
+              </a:spcBef>
+              <a:spcAft>
+                <a:spcPts val="0"/>
+              </a:spcAft>
+              <a:buClrTx/>
+              <a:buSzTx/>
+              <a:buFontTx/>
+              <a:buNone/>
+              <a:tabLst/>
+              <a:defRPr/>
+            </a:pPr>
+            <a:r>
+              <a:rPr kumimoji="0" lang="en-US" sz="1600" b="1" i="1" u="none" strike="noStrike" kern="0" cap="none" spc="0" normalizeH="0" baseline="0" noProof="0" dirty="0">
+                <a:ln>
+                  <a:noFill/>
+                </a:ln>
+                <a:effectLst/>
+                <a:uLnTx/>
+                <a:uFillTx/>
+                <a:latin typeface="Calibri" panose="020F0502020204030204"/>
+                <a:ea typeface="+mn-ea"/>
+                <a:cs typeface="+mn-cs"/>
+              </a:rPr>
+              <a:t>Profile-based</a:t>
+            </a:r>
+          </a:p>
+        </p:txBody>
+      </p:sp>
+      <p:sp>
+        <p:nvSpPr>
+          <p:cNvPr id="10" name="Pentagon 9">
+            <a:extLst>
+              <a:ext uri="{FF2B5EF4-FFF2-40B4-BE49-F238E27FC236}">
+                <a16:creationId xmlns:a16="http://schemas.microsoft.com/office/drawing/2014/main" id="{B95466B2-1CD5-D04A-8EBA-893904E37D73}"/>
+              </a:ext>
+            </a:extLst>
+          </p:cNvPr>
+          <p:cNvSpPr/>
+          <p:nvPr/>
+        </p:nvSpPr>
+        <p:spPr>
+          <a:xfrm rot="16200000">
+            <a:off x="4493622" y="4981295"/>
+            <a:ext cx="1463040" cy="457200"/>
+          </a:xfrm>
+          <a:prstGeom prst="homePlate">
+            <a:avLst/>
+          </a:prstGeom>
+          <a:solidFill>
+            <a:srgbClr val="FFC000"/>
+          </a:solidFill>
+          <a:ln w="12700" cap="flat" cmpd="sng" algn="ctr">
+            <a:noFill/>
+            <a:prstDash val="solid"/>
+            <a:miter lim="800000"/>
+          </a:ln>
+          <a:effectLst/>
+        </p:spPr>
+        <p:txBody>
+          <a:bodyPr vert="horz" lIns="0" tIns="0" rIns="0" bIns="0" rtlCol="0" anchor="ctr"/>
+          <a:lstStyle/>
+          <a:p>
+            <a:pPr marL="0" marR="0" lvl="0" indent="0" algn="ctr" defTabSz="914400" eaLnBrk="1" fontAlgn="auto" latinLnBrk="0" hangingPunct="1">
+              <a:lnSpc>
+                <a:spcPct val="100000"/>
+              </a:lnSpc>
+              <a:spcBef>
+                <a:spcPts val="0"/>
+              </a:spcBef>
+              <a:spcAft>
+                <a:spcPts val="0"/>
+              </a:spcAft>
+              <a:buClrTx/>
+              <a:buSzTx/>
+              <a:buFontTx/>
+              <a:buNone/>
+              <a:tabLst/>
+              <a:defRPr/>
+            </a:pPr>
+            <a:r>
+              <a:rPr lang="en-US" sz="1600" b="1" i="1" kern="0" dirty="0">
+                <a:latin typeface="Calibri" panose="020F0502020204030204"/>
+              </a:rPr>
+              <a:t>Locality-aware</a:t>
+            </a:r>
+            <a:endParaRPr kumimoji="0" lang="en-US" sz="1600" b="1" i="1" u="none" strike="noStrike" kern="0" cap="none" spc="0" normalizeH="0" baseline="0" noProof="0" dirty="0">
+              <a:ln>
+                <a:noFill/>
+              </a:ln>
+              <a:effectLst/>
+              <a:uLnTx/>
+              <a:uFillTx/>
+              <a:latin typeface="Calibri" panose="020F0502020204030204"/>
+              <a:ea typeface="+mn-ea"/>
+              <a:cs typeface="+mn-cs"/>
+            </a:endParaRPr>
+          </a:p>
+        </p:txBody>
+      </p:sp>
+      <p:sp>
+        <p:nvSpPr>
+          <p:cNvPr id="11" name="Pentagon 10">
+            <a:extLst>
+              <a:ext uri="{FF2B5EF4-FFF2-40B4-BE49-F238E27FC236}">
+                <a16:creationId xmlns:a16="http://schemas.microsoft.com/office/drawing/2014/main" id="{BCEF0D47-4AA3-9D49-B207-BE408A6A683A}"/>
+              </a:ext>
+            </a:extLst>
+          </p:cNvPr>
+          <p:cNvSpPr/>
+          <p:nvPr/>
+        </p:nvSpPr>
+        <p:spPr>
+          <a:xfrm rot="16200000">
+            <a:off x="2617524" y="4981295"/>
+            <a:ext cx="1463040" cy="457200"/>
+          </a:xfrm>
+          <a:prstGeom prst="homePlate">
+            <a:avLst/>
+          </a:prstGeom>
+          <a:solidFill>
+            <a:srgbClr val="FFC000"/>
+          </a:solidFill>
+          <a:ln w="12700" cap="flat" cmpd="sng" algn="ctr">
+            <a:noFill/>
+            <a:prstDash val="solid"/>
+            <a:miter lim="800000"/>
+          </a:ln>
+          <a:effectLst/>
+        </p:spPr>
+        <p:txBody>
+          <a:bodyPr vert="horz" lIns="0" tIns="0" rIns="0" bIns="0" rtlCol="0" anchor="ctr"/>
+          <a:lstStyle/>
+          <a:p>
+            <a:pPr marL="0" marR="0" lvl="0" indent="0" algn="ctr" defTabSz="914400" eaLnBrk="1" fontAlgn="auto" latinLnBrk="0" hangingPunct="1">
+              <a:lnSpc>
+                <a:spcPct val="100000"/>
+              </a:lnSpc>
+              <a:spcBef>
+                <a:spcPts val="0"/>
+              </a:spcBef>
+              <a:spcAft>
+                <a:spcPts val="0"/>
+              </a:spcAft>
+              <a:buClrTx/>
+              <a:buSzTx/>
+              <a:buFontTx/>
+              <a:buNone/>
+              <a:tabLst/>
+              <a:defRPr/>
+            </a:pPr>
+            <a:r>
+              <a:rPr lang="en-US" sz="1600" b="1" i="1" kern="0" dirty="0">
+                <a:latin typeface="Calibri" panose="020F0502020204030204"/>
+              </a:rPr>
+              <a:t>Device Type</a:t>
+            </a:r>
+            <a:endParaRPr kumimoji="0" lang="en-US" sz="1600" b="1" i="1" u="none" strike="noStrike" kern="0" cap="none" spc="0" normalizeH="0" baseline="0" noProof="0" dirty="0">
+              <a:ln>
+                <a:noFill/>
+              </a:ln>
+              <a:effectLst/>
+              <a:uLnTx/>
+              <a:uFillTx/>
+              <a:latin typeface="Calibri" panose="020F0502020204030204"/>
+              <a:ea typeface="+mn-ea"/>
+              <a:cs typeface="+mn-cs"/>
+            </a:endParaRPr>
+          </a:p>
+        </p:txBody>
+      </p:sp>
+      <p:sp>
+        <p:nvSpPr>
+          <p:cNvPr id="12" name="TextBox 11">
+            <a:extLst>
+              <a:ext uri="{FF2B5EF4-FFF2-40B4-BE49-F238E27FC236}">
+                <a16:creationId xmlns:a16="http://schemas.microsoft.com/office/drawing/2014/main" id="{5E3BB0F4-257E-3A4B-ADDD-7A146375390A}"/>
+              </a:ext>
+            </a:extLst>
+          </p:cNvPr>
+          <p:cNvSpPr txBox="1"/>
+          <p:nvPr/>
+        </p:nvSpPr>
+        <p:spPr>
+          <a:xfrm>
+            <a:off x="2570492" y="5951546"/>
+            <a:ext cx="3419644" cy="369332"/>
+          </a:xfrm>
+          <a:prstGeom prst="rect">
+            <a:avLst/>
+          </a:prstGeom>
+          <a:noFill/>
+        </p:spPr>
+        <p:txBody>
+          <a:bodyPr wrap="square" rtlCol="0">
+            <a:spAutoFit/>
+          </a:bodyPr>
+          <a:lstStyle/>
+          <a:p>
+            <a:r>
+              <a:rPr lang="en-US" b="1" i="1" dirty="0"/>
+              <a:t>Built-in Device Selection Policies</a:t>
+            </a:r>
+          </a:p>
+        </p:txBody>
+      </p:sp>
+    </p:spTree>
+    <p:extLst>
+      <p:ext uri="{BB962C8B-B14F-4D97-AF65-F5344CB8AC3E}">
+        <p14:creationId xmlns:p14="http://schemas.microsoft.com/office/powerpoint/2010/main" val="1954934004"/>
+      </p:ext>
+    </p:extLst>
+  </p:cSld>
+  <p:clrMapOvr>
+    <a:masterClrMapping/>
+  </p:clrMapOvr>
+</p:sld>
+</file>
+
+<file path=ppt/slides/slide5.xml><?xml version="1.0" encoding="utf-8"?>
+<p:sld xmlns:a="http://schemas.openxmlformats.org/drawingml/2006/main" xmlns:r="http://schemas.openxmlformats.org/officeDocument/2006/relationships" xmlns:p="http://schemas.openxmlformats.org/presentationml/2006/main">
+  <p:cSld>
+    <p:spTree>
+      <p:nvGrpSpPr>
+        <p:cNvPr id="1" name=""/>
+        <p:cNvGrpSpPr/>
+        <p:nvPr/>
+      </p:nvGrpSpPr>
+      <p:grpSpPr>
+        <a:xfrm>
+          <a:off x="0" y="0"/>
+          <a:ext cx="0" cy="0"/>
+          <a:chOff x="0" y="0"/>
+          <a:chExt cx="0" cy="0"/>
+        </a:xfrm>
+      </p:grpSpPr>
+      <p:sp>
+        <p:nvSpPr>
+          <p:cNvPr id="8" name="Rounded Rectangle 7">
+            <a:extLst>
+              <a:ext uri="{FF2B5EF4-FFF2-40B4-BE49-F238E27FC236}">
+                <a16:creationId xmlns:a16="http://schemas.microsoft.com/office/drawing/2014/main" id="{F36712B5-0CD2-6F4E-A5CB-D0264B38D68D}"/>
+              </a:ext>
+            </a:extLst>
+          </p:cNvPr>
+          <p:cNvSpPr/>
+          <p:nvPr/>
+        </p:nvSpPr>
+        <p:spPr>
+          <a:xfrm>
+            <a:off x="524256" y="3716798"/>
+            <a:ext cx="1615951" cy="2330434"/>
+          </a:xfrm>
+          <a:prstGeom prst="roundRect">
+            <a:avLst/>
+          </a:prstGeom>
+          <a:solidFill>
+            <a:schemeClr val="accent2">
+              <a:lumMod val="20000"/>
+              <a:lumOff val="80000"/>
+            </a:schemeClr>
+          </a:solidFill>
+          <a:ln>
+            <a:noFill/>
+          </a:ln>
+        </p:spPr>
+        <p:style>
+          <a:lnRef idx="2">
+            <a:schemeClr val="accent1">
+              <a:shade val="50000"/>
+            </a:schemeClr>
+          </a:lnRef>
+          <a:fillRef idx="1">
+            <a:schemeClr val="accent1"/>
+          </a:fillRef>
+          <a:effectRef idx="0">
+            <a:schemeClr val="accent1"/>
+          </a:effectRef>
+          <a:fontRef idx="minor">
+            <a:schemeClr val="lt1"/>
+          </a:fontRef>
+        </p:style>
+        <p:txBody>
+          <a:bodyPr lIns="0" rIns="0" rtlCol="0" anchor="t" anchorCtr="0"/>
+          <a:lstStyle/>
+          <a:p>
+            <a:pPr algn="ctr"/>
+            <a:r>
+              <a:rPr lang="en-US" b="1" dirty="0">
+                <a:solidFill>
+                  <a:schemeClr val="tx1"/>
+                </a:solidFill>
+              </a:rPr>
+              <a:t>User's Policy</a:t>
+            </a:r>
+          </a:p>
+          <a:p>
+            <a:pPr algn="ctr"/>
+            <a:r>
+              <a:rPr lang="en-US" b="1" dirty="0">
+                <a:solidFill>
+                  <a:schemeClr val="tx1"/>
+                </a:solidFill>
+              </a:rPr>
+              <a:t>Shared Library</a:t>
+            </a:r>
+          </a:p>
+        </p:txBody>
+      </p:sp>
+      <p:sp>
+        <p:nvSpPr>
+          <p:cNvPr id="6" name="Rectangle 5">
+            <a:extLst>
+              <a:ext uri="{FF2B5EF4-FFF2-40B4-BE49-F238E27FC236}">
+                <a16:creationId xmlns:a16="http://schemas.microsoft.com/office/drawing/2014/main" id="{E4597DB2-A3A6-F64C-BF21-C3597EDA2B75}"/>
+              </a:ext>
+            </a:extLst>
+          </p:cNvPr>
+          <p:cNvSpPr/>
+          <p:nvPr/>
+        </p:nvSpPr>
+        <p:spPr>
+          <a:xfrm>
+            <a:off x="2621791" y="2157983"/>
+            <a:ext cx="8412480" cy="4114800"/>
+          </a:xfrm>
+          <a:prstGeom prst="rect">
+            <a:avLst/>
+          </a:prstGeom>
+          <a:solidFill>
+            <a:schemeClr val="accent5">
+              <a:lumMod val="40000"/>
+              <a:lumOff val="60000"/>
+            </a:schemeClr>
+          </a:solidFill>
+          <a:ln>
+            <a:noFill/>
+          </a:ln>
+        </p:spPr>
+        <p:style>
+          <a:lnRef idx="2">
+            <a:schemeClr val="accent1">
+              <a:shade val="50000"/>
+            </a:schemeClr>
+          </a:lnRef>
+          <a:fillRef idx="1">
+            <a:schemeClr val="accent1"/>
+          </a:fillRef>
+          <a:effectRef idx="0">
+            <a:schemeClr val="accent1"/>
+          </a:effectRef>
+          <a:fontRef idx="minor">
+            <a:schemeClr val="lt1"/>
+          </a:fontRef>
+        </p:style>
+        <p:txBody>
+          <a:bodyPr rtlCol="0" anchor="t" anchorCtr="0"/>
+          <a:lstStyle/>
+          <a:p>
+            <a:pPr algn="ctr"/>
+            <a:r>
+              <a:rPr lang="en-US" sz="4800" b="1" dirty="0">
+                <a:solidFill>
+                  <a:schemeClr val="tx1"/>
+                </a:solidFill>
+              </a:rPr>
+              <a:t>IRIS</a:t>
+            </a:r>
+          </a:p>
+        </p:txBody>
+      </p:sp>
+      <p:sp>
+        <p:nvSpPr>
+          <p:cNvPr id="2" name="Title 1">
+            <a:extLst>
+              <a:ext uri="{FF2B5EF4-FFF2-40B4-BE49-F238E27FC236}">
+                <a16:creationId xmlns:a16="http://schemas.microsoft.com/office/drawing/2014/main" id="{EB3E63C6-2C7A-D940-B649-6BEC7E0781A2}"/>
+              </a:ext>
+            </a:extLst>
+          </p:cNvPr>
+          <p:cNvSpPr>
+            <a:spLocks noGrp="1"/>
+          </p:cNvSpPr>
+          <p:nvPr>
+            <p:ph type="title"/>
+          </p:nvPr>
+        </p:nvSpPr>
+        <p:spPr/>
+        <p:txBody>
+          <a:bodyPr/>
+          <a:lstStyle/>
+          <a:p>
+            <a:r>
+              <a:rPr lang="en-US" dirty="0" err="1"/>
+              <a:t>Pluginable</a:t>
+            </a:r>
+            <a:r>
+              <a:rPr lang="en-US" dirty="0"/>
+              <a:t> Custom Policies</a:t>
+            </a:r>
+          </a:p>
+        </p:txBody>
+      </p:sp>
+      <p:sp>
+        <p:nvSpPr>
+          <p:cNvPr id="3" name="Content Placeholder 2">
+            <a:extLst>
+              <a:ext uri="{FF2B5EF4-FFF2-40B4-BE49-F238E27FC236}">
+                <a16:creationId xmlns:a16="http://schemas.microsoft.com/office/drawing/2014/main" id="{D38C095B-CEB1-EE45-BC45-A81920794719}"/>
+              </a:ext>
+            </a:extLst>
+          </p:cNvPr>
+          <p:cNvSpPr>
+            <a:spLocks noGrp="1"/>
+          </p:cNvSpPr>
+          <p:nvPr>
+            <p:ph idx="1"/>
+          </p:nvPr>
+        </p:nvSpPr>
+        <p:spPr>
+          <a:xfrm>
+            <a:off x="838200" y="1315233"/>
+            <a:ext cx="10515600" cy="1124788"/>
+          </a:xfrm>
+        </p:spPr>
+        <p:txBody>
+          <a:bodyPr>
+            <a:normAutofit/>
+          </a:bodyPr>
+          <a:lstStyle/>
+          <a:p>
+            <a:r>
+              <a:rPr lang="en-US" dirty="0"/>
+              <a:t>Users can write their own device selection policies and plug them in IRIS at run time</a:t>
+            </a:r>
+          </a:p>
+        </p:txBody>
+      </p:sp>
+      <p:sp>
+        <p:nvSpPr>
+          <p:cNvPr id="4" name="Footer Placeholder 3">
+            <a:extLst>
+              <a:ext uri="{FF2B5EF4-FFF2-40B4-BE49-F238E27FC236}">
+                <a16:creationId xmlns:a16="http://schemas.microsoft.com/office/drawing/2014/main" id="{A77CE402-7BE7-F949-BB60-E503F9EF8673}"/>
+              </a:ext>
+            </a:extLst>
+          </p:cNvPr>
+          <p:cNvSpPr>
+            <a:spLocks noGrp="1"/>
+          </p:cNvSpPr>
+          <p:nvPr>
+            <p:ph type="ftr" sz="quarter" idx="11"/>
+          </p:nvPr>
+        </p:nvSpPr>
+        <p:spPr/>
+        <p:txBody>
+          <a:bodyPr/>
+          <a:lstStyle/>
+          <a:p>
+            <a:r>
+              <a:rPr lang="en-US"/>
+              <a:t>IRIS mini workshop 2022</a:t>
+            </a:r>
+          </a:p>
+        </p:txBody>
+      </p:sp>
+      <p:sp>
+        <p:nvSpPr>
+          <p:cNvPr id="5" name="Slide Number Placeholder 4">
+            <a:extLst>
+              <a:ext uri="{FF2B5EF4-FFF2-40B4-BE49-F238E27FC236}">
+                <a16:creationId xmlns:a16="http://schemas.microsoft.com/office/drawing/2014/main" id="{6D53B702-05FE-8C4D-B920-2D8BCA808D53}"/>
+              </a:ext>
+            </a:extLst>
+          </p:cNvPr>
+          <p:cNvSpPr>
+            <a:spLocks noGrp="1"/>
+          </p:cNvSpPr>
+          <p:nvPr>
+            <p:ph type="sldNum" sz="quarter" idx="12"/>
+          </p:nvPr>
+        </p:nvSpPr>
+        <p:spPr/>
+        <p:txBody>
+          <a:bodyPr/>
+          <a:lstStyle/>
+          <a:p>
+            <a:fld id="{35A43AB0-3BDF-BB48-89EA-9F1E831E61CF}" type="slidenum">
+              <a:rPr lang="en-US" smtClean="0"/>
+              <a:t>5</a:t>
+            </a:fld>
+            <a:endParaRPr lang="en-US"/>
+          </a:p>
+        </p:txBody>
+      </p:sp>
+      <p:sp>
+        <p:nvSpPr>
+          <p:cNvPr id="7" name="Rounded Rectangle 6">
+            <a:extLst>
+              <a:ext uri="{FF2B5EF4-FFF2-40B4-BE49-F238E27FC236}">
+                <a16:creationId xmlns:a16="http://schemas.microsoft.com/office/drawing/2014/main" id="{9063E2E9-3C03-0042-A228-414F5B8C0458}"/>
+              </a:ext>
+            </a:extLst>
+          </p:cNvPr>
+          <p:cNvSpPr/>
+          <p:nvPr/>
+        </p:nvSpPr>
+        <p:spPr>
+          <a:xfrm>
+            <a:off x="5981509" y="3257429"/>
+            <a:ext cx="1828800" cy="2270115"/>
+          </a:xfrm>
+          <a:prstGeom prst="roundRect">
+            <a:avLst>
+              <a:gd name="adj" fmla="val 7932"/>
+            </a:avLst>
+          </a:prstGeom>
+        </p:spPr>
+        <p:style>
+          <a:lnRef idx="1">
+            <a:schemeClr val="accent4"/>
+          </a:lnRef>
+          <a:fillRef idx="3">
+            <a:schemeClr val="accent4"/>
+          </a:fillRef>
+          <a:effectRef idx="2">
+            <a:schemeClr val="accent4"/>
+          </a:effectRef>
+          <a:fontRef idx="minor">
+            <a:schemeClr val="lt1"/>
+          </a:fontRef>
+        </p:style>
+        <p:txBody>
+          <a:bodyPr rtlCol="0" anchor="t" anchorCtr="0"/>
+          <a:lstStyle/>
+          <a:p>
+            <a:pPr algn="ctr"/>
+            <a:r>
+              <a:rPr lang="en-US" sz="4000" b="1" dirty="0">
+                <a:solidFill>
+                  <a:sysClr val="windowText" lastClr="000000"/>
+                </a:solidFill>
+              </a:rPr>
+              <a:t>Task</a:t>
+            </a:r>
+          </a:p>
+        </p:txBody>
+      </p:sp>
+      <p:sp>
+        <p:nvSpPr>
+          <p:cNvPr id="9" name="Rounded Rectangle 8">
+            <a:extLst>
+              <a:ext uri="{FF2B5EF4-FFF2-40B4-BE49-F238E27FC236}">
+                <a16:creationId xmlns:a16="http://schemas.microsoft.com/office/drawing/2014/main" id="{67D54391-6AB6-C94B-BB06-BC9E9A102083}"/>
+              </a:ext>
+            </a:extLst>
+          </p:cNvPr>
+          <p:cNvSpPr/>
+          <p:nvPr/>
+        </p:nvSpPr>
+        <p:spPr>
+          <a:xfrm>
+            <a:off x="6123808" y="4008166"/>
+            <a:ext cx="1554480" cy="1363894"/>
+          </a:xfrm>
+          <a:prstGeom prst="roundRect">
+            <a:avLst/>
+          </a:prstGeom>
+        </p:spPr>
+        <p:style>
+          <a:lnRef idx="1">
+            <a:schemeClr val="accent6"/>
+          </a:lnRef>
+          <a:fillRef idx="3">
+            <a:schemeClr val="accent6"/>
+          </a:fillRef>
+          <a:effectRef idx="2">
+            <a:schemeClr val="accent6"/>
+          </a:effectRef>
+          <a:fontRef idx="minor">
+            <a:schemeClr val="lt1"/>
+          </a:fontRef>
+        </p:style>
+        <p:txBody>
+          <a:bodyPr rtlCol="0" anchor="ctr"/>
+          <a:lstStyle/>
+          <a:p>
+            <a:pPr algn="ctr"/>
+            <a:r>
+              <a:rPr lang="en-US" b="1" dirty="0"/>
+              <a:t>Kernel </a:t>
+            </a:r>
+            <a:r>
+              <a:rPr lang="en-US" b="1" dirty="0" err="1"/>
+              <a:t>Cmd</a:t>
+            </a:r>
+            <a:endParaRPr lang="en-US" b="1" dirty="0"/>
+          </a:p>
+          <a:p>
+            <a:pPr algn="ctr"/>
+            <a:endParaRPr lang="en-US" b="1" dirty="0"/>
+          </a:p>
+          <a:p>
+            <a:pPr algn="ctr"/>
+            <a:r>
+              <a:rPr lang="en-US" b="1" dirty="0"/>
+              <a:t>global</a:t>
+            </a:r>
+          </a:p>
+          <a:p>
+            <a:pPr algn="ctr"/>
+            <a:r>
+              <a:rPr lang="en-US" b="1" dirty="0"/>
+              <a:t>workitem</a:t>
+            </a:r>
+          </a:p>
+          <a:p>
+            <a:pPr algn="ctr"/>
+            <a:r>
+              <a:rPr lang="en-US" b="1" dirty="0"/>
+              <a:t>size (gws)</a:t>
+            </a:r>
+          </a:p>
+        </p:txBody>
+      </p:sp>
       <p:grpSp>
         <p:nvGrpSpPr>
-          <p:cNvPr id="19" name="Group 18">
-            <a:extLst>
-              <a:ext uri="{FF2B5EF4-FFF2-40B4-BE49-F238E27FC236}">
-                <a16:creationId xmlns:a16="http://schemas.microsoft.com/office/drawing/2014/main" id="{D3DF2F82-0A42-F14A-9AB4-42087D74292F}"/>
+          <p:cNvPr id="20" name="Group 19">
+            <a:extLst>
+              <a:ext uri="{FF2B5EF4-FFF2-40B4-BE49-F238E27FC236}">
+                <a16:creationId xmlns:a16="http://schemas.microsoft.com/office/drawing/2014/main" id="{99270BD4-90F9-AB41-B325-2983FC388FCC}"/>
               </a:ext>
             </a:extLst>
           </p:cNvPr>
@@ -4344,158 +5780,7 @@
         </p:nvGrpSpPr>
         <p:grpSpPr>
           <a:xfrm>
-            <a:off x="5488626" y="3037973"/>
-            <a:ext cx="1828800" cy="2270115"/>
-            <a:chOff x="6781800" y="2671667"/>
-            <a:chExt cx="1828800" cy="2270115"/>
-          </a:xfrm>
-        </p:grpSpPr>
-        <p:sp>
-          <p:nvSpPr>
-            <p:cNvPr id="7" name="Rounded Rectangle 6">
-              <a:extLst>
-                <a:ext uri="{FF2B5EF4-FFF2-40B4-BE49-F238E27FC236}">
-                  <a16:creationId xmlns:a16="http://schemas.microsoft.com/office/drawing/2014/main" id="{9063E2E9-3C03-0042-A228-414F5B8C0458}"/>
-                </a:ext>
-              </a:extLst>
-            </p:cNvPr>
-            <p:cNvSpPr/>
-            <p:nvPr/>
-          </p:nvSpPr>
-          <p:spPr>
-            <a:xfrm>
-              <a:off x="6781800" y="2671667"/>
-              <a:ext cx="1828800" cy="2270115"/>
-            </a:xfrm>
-            <a:prstGeom prst="roundRect">
-              <a:avLst>
-                <a:gd name="adj" fmla="val 7932"/>
-              </a:avLst>
-            </a:prstGeom>
-          </p:spPr>
-          <p:style>
-            <a:lnRef idx="1">
-              <a:schemeClr val="accent4"/>
-            </a:lnRef>
-            <a:fillRef idx="3">
-              <a:schemeClr val="accent4"/>
-            </a:fillRef>
-            <a:effectRef idx="2">
-              <a:schemeClr val="accent4"/>
-            </a:effectRef>
-            <a:fontRef idx="minor">
-              <a:schemeClr val="lt1"/>
-            </a:fontRef>
-          </p:style>
-          <p:txBody>
-            <a:bodyPr rtlCol="0" anchor="t" anchorCtr="0"/>
-            <a:lstStyle/>
-            <a:p>
-              <a:pPr algn="ctr"/>
-              <a:r>
-                <a:rPr lang="en-US" sz="4000" b="1" dirty="0">
-                  <a:solidFill>
-                    <a:sysClr val="windowText" lastClr="000000"/>
-                  </a:solidFill>
-                </a:rPr>
-                <a:t>Task</a:t>
-              </a:r>
-            </a:p>
-          </p:txBody>
-        </p:sp>
-        <p:sp>
-          <p:nvSpPr>
-            <p:cNvPr id="9" name="Rounded Rectangle 8">
-              <a:extLst>
-                <a:ext uri="{FF2B5EF4-FFF2-40B4-BE49-F238E27FC236}">
-                  <a16:creationId xmlns:a16="http://schemas.microsoft.com/office/drawing/2014/main" id="{67D54391-6AB6-C94B-BB06-BC9E9A102083}"/>
-                </a:ext>
-              </a:extLst>
-            </p:cNvPr>
-            <p:cNvSpPr/>
-            <p:nvPr/>
-          </p:nvSpPr>
-          <p:spPr>
-            <a:xfrm>
-              <a:off x="6948053" y="3400659"/>
-              <a:ext cx="1554480" cy="1363894"/>
-            </a:xfrm>
-            <a:prstGeom prst="roundRect">
-              <a:avLst/>
-            </a:prstGeom>
-          </p:spPr>
-          <p:style>
-            <a:lnRef idx="1">
-              <a:schemeClr val="accent6"/>
-            </a:lnRef>
-            <a:fillRef idx="3">
-              <a:schemeClr val="accent6"/>
-            </a:fillRef>
-            <a:effectRef idx="2">
-              <a:schemeClr val="accent6"/>
-            </a:effectRef>
-            <a:fontRef idx="minor">
-              <a:schemeClr val="lt1"/>
-            </a:fontRef>
-          </p:style>
-          <p:txBody>
-            <a:bodyPr rtlCol="0" anchor="ctr"/>
-            <a:lstStyle/>
-            <a:p>
-              <a:pPr algn="ctr"/>
-              <a:r>
-                <a:rPr lang="en-US" b="1" dirty="0"/>
-                <a:t>Kernel </a:t>
-              </a:r>
-              <a:r>
-                <a:rPr lang="en-US" b="1" dirty="0" err="1"/>
-                <a:t>Cmd</a:t>
-              </a:r>
-              <a:endParaRPr lang="en-US" b="1" dirty="0"/>
-            </a:p>
-            <a:p>
-              <a:pPr algn="ctr"/>
-              <a:endParaRPr lang="en-US" b="1" dirty="0"/>
-            </a:p>
-            <a:p>
-              <a:pPr algn="ctr"/>
-              <a:r>
-                <a:rPr lang="en-US" b="1" dirty="0"/>
-                <a:t>global</a:t>
-              </a:r>
-            </a:p>
-            <a:p>
-              <a:pPr algn="ctr"/>
-              <a:r>
-                <a:rPr lang="en-US" b="1" dirty="0"/>
-                <a:t>workitem</a:t>
-              </a:r>
-            </a:p>
-            <a:p>
-              <a:pPr algn="ctr"/>
-              <a:r>
-                <a:rPr lang="en-US" b="1" dirty="0"/>
-                <a:t>size (gws)</a:t>
-              </a:r>
-            </a:p>
-          </p:txBody>
-        </p:sp>
-      </p:grpSp>
-      <p:grpSp>
-        <p:nvGrpSpPr>
-          <p:cNvPr id="20" name="Group 19">
-            <a:extLst>
-              <a:ext uri="{FF2B5EF4-FFF2-40B4-BE49-F238E27FC236}">
-                <a16:creationId xmlns:a16="http://schemas.microsoft.com/office/drawing/2014/main" id="{99270BD4-90F9-AB41-B325-2983FC388FCC}"/>
-              </a:ext>
-            </a:extLst>
-          </p:cNvPr>
-          <p:cNvGrpSpPr/>
-          <p:nvPr/>
-        </p:nvGrpSpPr>
-        <p:grpSpPr>
-          <a:xfrm>
-            <a:off x="8854440" y="2624101"/>
+            <a:off x="9347323" y="2843557"/>
             <a:ext cx="1463040" cy="3097858"/>
             <a:chOff x="9890760" y="2343685"/>
             <a:chExt cx="1463040" cy="3097858"/>
@@ -4614,7 +5899,7 @@
         </p:nvCxnSpPr>
         <p:spPr>
           <a:xfrm flipV="1">
-            <a:off x="7317426" y="3355621"/>
+            <a:off x="7810309" y="3575077"/>
             <a:ext cx="1537014" cy="817410"/>
           </a:xfrm>
           <a:prstGeom prst="straightConnector1">
@@ -4657,7 +5942,7 @@
         </p:nvCxnSpPr>
         <p:spPr>
           <a:xfrm>
-            <a:off x="7317426" y="4173031"/>
+            <a:off x="7810309" y="4392487"/>
             <a:ext cx="1537014" cy="817408"/>
           </a:xfrm>
           <a:prstGeom prst="straightConnector1">
@@ -4696,7 +5981,7 @@
         </p:nvSpPr>
         <p:spPr>
           <a:xfrm>
-            <a:off x="7539768" y="3128010"/>
+            <a:off x="8032651" y="3347466"/>
             <a:ext cx="1018356" cy="369332"/>
           </a:xfrm>
           <a:prstGeom prst="rect">
@@ -4731,7 +6016,7 @@
         </p:nvSpPr>
         <p:spPr>
           <a:xfrm>
-            <a:off x="7539768" y="4793475"/>
+            <a:off x="8032651" y="5012931"/>
             <a:ext cx="902939" cy="369332"/>
           </a:xfrm>
           <a:prstGeom prst="rect">
@@ -4766,7 +6051,7 @@
         </p:nvSpPr>
         <p:spPr>
           <a:xfrm>
-            <a:off x="1976919" y="2618550"/>
+            <a:off x="2908714" y="2838006"/>
             <a:ext cx="2743200" cy="3108960"/>
           </a:xfrm>
           <a:prstGeom prst="roundRect">
@@ -4839,18 +6124,20 @@
         </p:nvSpPr>
         <p:spPr>
           <a:xfrm rot="16200000">
-            <a:off x="1688882" y="4763249"/>
+            <a:off x="2620677" y="4982705"/>
             <a:ext cx="1463040" cy="457200"/>
           </a:xfrm>
           <a:prstGeom prst="homePlate">
             <a:avLst/>
           </a:prstGeom>
           <a:solidFill>
-            <a:srgbClr val="FFC000"/>
+            <a:schemeClr val="bg1"/>
           </a:solidFill>
-          <a:ln w="12700" cap="flat" cmpd="sng" algn="ctr">
-            <a:noFill/>
-            <a:prstDash val="solid"/>
+          <a:ln w="50800" cap="flat" cmpd="sng" algn="ctr">
+            <a:solidFill>
+              <a:schemeClr val="accent4"/>
+            </a:solidFill>
+            <a:prstDash val="sysDot"/>
             <a:miter lim="800000"/>
           </a:ln>
           <a:effectLst/>
@@ -4876,20 +6163,17 @@
               <a:tabLst/>
               <a:defRPr/>
             </a:pPr>
-            <a:r>
-              <a:rPr kumimoji="0" lang="en-US" sz="1600" b="1" i="1" u="none" strike="noStrike" kern="0" cap="none" spc="0" normalizeH="0" baseline="0" noProof="0" dirty="0">
-                <a:ln>
-                  <a:noFill/>
-                </a:ln>
-                <a:effectLst/>
-                <a:uLnTx/>
-                <a:uFillTx/>
-                <a:latin typeface="Calibri" panose="020F0502020204030204"/>
-                <a:ea typeface="+mn-ea"/>
-                <a:cs typeface="+mn-cs"/>
-              </a:rPr>
-              <a:t>Device Type</a:t>
-            </a:r>
+            <a:endParaRPr kumimoji="0" lang="en-US" sz="1600" b="1" i="1" u="none" strike="noStrike" kern="0" cap="none" spc="0" normalizeH="0" baseline="0" noProof="0" dirty="0">
+              <a:ln>
+                <a:noFill/>
+              </a:ln>
+              <a:effectLst/>
+              <a:uLnTx/>
+              <a:uFillTx/>
+              <a:latin typeface="Calibri" panose="020F0502020204030204"/>
+              <a:ea typeface="+mn-ea"/>
+              <a:cs typeface="+mn-cs"/>
+            </a:endParaRPr>
           </a:p>
         </p:txBody>
       </p:sp>
@@ -4907,7 +6191,7 @@
         </p:nvSpPr>
         <p:spPr>
           <a:xfrm rot="16200000">
-            <a:off x="2312146" y="4763249"/>
+            <a:off x="3243941" y="4982705"/>
             <a:ext cx="1463040" cy="457200"/>
           </a:xfrm>
           <a:prstGeom prst="homePlate">
@@ -4945,7 +6229,7 @@
               <a:defRPr/>
             </a:pPr>
             <a:r>
-              <a:rPr kumimoji="0" lang="en-US" sz="1600" b="1" i="1" u="none" strike="noStrike" kern="0" cap="none" spc="0" normalizeH="0" baseline="0" noProof="0" dirty="0">
+              <a:rPr kumimoji="0" lang="en-US" sz="1600" b="1" i="1" u="none" strike="noStrike" kern="0" cap="none" spc="0" normalizeH="0" baseline="0" noProof="0" dirty="0" err="1">
                 <a:ln>
                   <a:noFill/>
                 </a:ln>
@@ -4956,8 +6240,19 @@
                 <a:ea typeface="+mn-ea"/>
                 <a:cs typeface="+mn-cs"/>
               </a:rPr>
-              <a:t>Random</a:t>
-            </a:r>
+              <a:t>RoundRobin</a:t>
+            </a:r>
+            <a:endParaRPr kumimoji="0" lang="en-US" sz="1600" b="1" i="1" u="none" strike="noStrike" kern="0" cap="none" spc="0" normalizeH="0" baseline="0" noProof="0" dirty="0">
+              <a:ln>
+                <a:noFill/>
+              </a:ln>
+              <a:effectLst/>
+              <a:uLnTx/>
+              <a:uFillTx/>
+              <a:latin typeface="Calibri" panose="020F0502020204030204"/>
+              <a:ea typeface="+mn-ea"/>
+              <a:cs typeface="+mn-cs"/>
+            </a:endParaRPr>
           </a:p>
         </p:txBody>
       </p:sp>
@@ -4975,7 +6270,7 @@
         </p:nvSpPr>
         <p:spPr>
           <a:xfrm rot="16200000">
-            <a:off x="2935410" y="4763249"/>
+            <a:off x="3867205" y="4982705"/>
             <a:ext cx="1463040" cy="457200"/>
           </a:xfrm>
           <a:prstGeom prst="homePlate">
@@ -5013,7 +6308,7 @@
               <a:defRPr/>
             </a:pPr>
             <a:r>
-              <a:rPr kumimoji="0" lang="en-US" sz="1600" b="1" i="1" u="none" strike="noStrike" kern="0" cap="none" spc="0" normalizeH="0" baseline="0" noProof="0" dirty="0" err="1">
+              <a:rPr kumimoji="0" lang="en-US" sz="1600" b="1" i="1" u="none" strike="noStrike" kern="0" cap="none" spc="0" normalizeH="0" baseline="0" noProof="0" dirty="0">
                 <a:ln>
                   <a:noFill/>
                 </a:ln>
@@ -5024,19 +6319,8 @@
                 <a:ea typeface="+mn-ea"/>
                 <a:cs typeface="+mn-cs"/>
               </a:rPr>
-              <a:t>RoundRobin</a:t>
-            </a:r>
-            <a:endParaRPr kumimoji="0" lang="en-US" sz="1600" b="1" i="1" u="none" strike="noStrike" kern="0" cap="none" spc="0" normalizeH="0" baseline="0" noProof="0" dirty="0">
-              <a:ln>
-                <a:noFill/>
-              </a:ln>
-              <a:effectLst/>
-              <a:uLnTx/>
-              <a:uFillTx/>
-              <a:latin typeface="Calibri" panose="020F0502020204030204"/>
-              <a:ea typeface="+mn-ea"/>
-              <a:cs typeface="+mn-cs"/>
-            </a:endParaRPr>
+              <a:t>Profile-based</a:t>
+            </a:r>
           </a:p>
         </p:txBody>
       </p:sp>
@@ -5054,7 +6338,7 @@
         </p:nvSpPr>
         <p:spPr>
           <a:xfrm rot="16200000">
-            <a:off x="3558675" y="4763250"/>
+            <a:off x="595912" y="4981295"/>
             <a:ext cx="1463040" cy="457200"/>
           </a:xfrm>
           <a:prstGeom prst="homePlate">
@@ -5064,9 +6348,7 @@
             <a:srgbClr val="FFC000"/>
           </a:solidFill>
           <a:ln w="63500" cap="flat" cmpd="sng" algn="ctr">
-            <a:solidFill>
-              <a:srgbClr val="FF0000"/>
-            </a:solidFill>
+            <a:noFill/>
             <a:prstDash val="solid"/>
             <a:miter lim="800000"/>
           </a:ln>
@@ -5110,6 +6392,192 @@
           </a:p>
         </p:txBody>
       </p:sp>
+      <p:sp>
+        <p:nvSpPr>
+          <p:cNvPr id="21" name="Pentagon 20">
+            <a:extLst>
+              <a:ext uri="{FF2B5EF4-FFF2-40B4-BE49-F238E27FC236}">
+                <a16:creationId xmlns:a16="http://schemas.microsoft.com/office/drawing/2014/main" id="{14E561C9-7038-FD41-A997-435F205A934B}"/>
+              </a:ext>
+            </a:extLst>
+          </p:cNvPr>
+          <p:cNvSpPr/>
+          <p:nvPr/>
+        </p:nvSpPr>
+        <p:spPr>
+          <a:xfrm rot="16200000">
+            <a:off x="4493622" y="4981295"/>
+            <a:ext cx="1463040" cy="457200"/>
+          </a:xfrm>
+          <a:prstGeom prst="homePlate">
+            <a:avLst/>
+          </a:prstGeom>
+          <a:solidFill>
+            <a:srgbClr val="FFC000"/>
+          </a:solidFill>
+          <a:ln w="12700" cap="flat" cmpd="sng" algn="ctr">
+            <a:noFill/>
+            <a:prstDash val="solid"/>
+            <a:miter lim="800000"/>
+          </a:ln>
+          <a:effectLst/>
+        </p:spPr>
+        <p:txBody>
+          <a:bodyPr vert="horz" lIns="0" tIns="0" rIns="0" bIns="0" rtlCol="0" anchor="ctr"/>
+          <a:lstStyle/>
+          <a:p>
+            <a:pPr marL="0" marR="0" lvl="0" indent="0" algn="ctr" defTabSz="914400" eaLnBrk="1" fontAlgn="auto" latinLnBrk="0" hangingPunct="1">
+              <a:lnSpc>
+                <a:spcPct val="100000"/>
+              </a:lnSpc>
+              <a:spcBef>
+                <a:spcPts val="0"/>
+              </a:spcBef>
+              <a:spcAft>
+                <a:spcPts val="0"/>
+              </a:spcAft>
+              <a:buClrTx/>
+              <a:buSzTx/>
+              <a:buFontTx/>
+              <a:buNone/>
+              <a:tabLst/>
+              <a:defRPr/>
+            </a:pPr>
+            <a:r>
+              <a:rPr lang="en-US" sz="1600" b="1" i="1" kern="0" dirty="0">
+                <a:latin typeface="Calibri" panose="020F0502020204030204"/>
+              </a:rPr>
+              <a:t>Locality-aware</a:t>
+            </a:r>
+            <a:endParaRPr kumimoji="0" lang="en-US" sz="1600" b="1" i="1" u="none" strike="noStrike" kern="0" cap="none" spc="0" normalizeH="0" baseline="0" noProof="0" dirty="0">
+              <a:ln>
+                <a:noFill/>
+              </a:ln>
+              <a:effectLst/>
+              <a:uLnTx/>
+              <a:uFillTx/>
+              <a:latin typeface="Calibri" panose="020F0502020204030204"/>
+              <a:ea typeface="+mn-ea"/>
+              <a:cs typeface="+mn-cs"/>
+            </a:endParaRPr>
+          </a:p>
+        </p:txBody>
+      </p:sp>
+      <p:cxnSp>
+        <p:nvCxnSpPr>
+          <p:cNvPr id="11" name="Straight Arrow Connector 10">
+            <a:extLst>
+              <a:ext uri="{FF2B5EF4-FFF2-40B4-BE49-F238E27FC236}">
+                <a16:creationId xmlns:a16="http://schemas.microsoft.com/office/drawing/2014/main" id="{70F067F0-C500-CB44-A29B-C8505CA7FE7C}"/>
+              </a:ext>
+            </a:extLst>
+          </p:cNvPr>
+          <p:cNvCxnSpPr>
+            <a:stCxn id="36" idx="2"/>
+            <a:endCxn id="30" idx="0"/>
+          </p:cNvCxnSpPr>
+          <p:nvPr/>
+        </p:nvCxnSpPr>
+        <p:spPr>
+          <a:xfrm>
+            <a:off x="1556032" y="5324195"/>
+            <a:ext cx="1567565" cy="1410"/>
+          </a:xfrm>
+          <a:prstGeom prst="straightConnector1">
+            <a:avLst/>
+          </a:prstGeom>
+          <a:ln w="76200">
+            <a:solidFill>
+              <a:schemeClr val="accent4"/>
+            </a:solidFill>
+            <a:tailEnd type="triangle"/>
+          </a:ln>
+        </p:spPr>
+        <p:style>
+          <a:lnRef idx="1">
+            <a:schemeClr val="accent1"/>
+          </a:lnRef>
+          <a:fillRef idx="0">
+            <a:schemeClr val="accent1"/>
+          </a:fillRef>
+          <a:effectRef idx="0">
+            <a:schemeClr val="accent1"/>
+          </a:effectRef>
+          <a:fontRef idx="minor">
+            <a:schemeClr val="tx1"/>
+          </a:fontRef>
+        </p:style>
+      </p:cxnSp>
+      <p:sp>
+        <p:nvSpPr>
+          <p:cNvPr id="12" name="TextBox 11">
+            <a:extLst>
+              <a:ext uri="{FF2B5EF4-FFF2-40B4-BE49-F238E27FC236}">
+                <a16:creationId xmlns:a16="http://schemas.microsoft.com/office/drawing/2014/main" id="{3B973932-20C2-3F4A-87A0-5DBF75AEF3C3}"/>
+              </a:ext>
+            </a:extLst>
+          </p:cNvPr>
+          <p:cNvSpPr txBox="1"/>
+          <p:nvPr/>
+        </p:nvSpPr>
+        <p:spPr>
+          <a:xfrm>
+            <a:off x="3776686" y="5917714"/>
+            <a:ext cx="1642053" cy="369332"/>
+          </a:xfrm>
+          <a:prstGeom prst="rect">
+            <a:avLst/>
+          </a:prstGeom>
+          <a:noFill/>
+        </p:spPr>
+        <p:txBody>
+          <a:bodyPr wrap="none" rtlCol="0">
+            <a:spAutoFit/>
+          </a:bodyPr>
+          <a:lstStyle/>
+          <a:p>
+            <a:r>
+              <a:rPr lang="en-US" b="1" i="1" dirty="0"/>
+              <a:t>Built-in Policies</a:t>
+            </a:r>
+          </a:p>
+        </p:txBody>
+      </p:sp>
+      <p:sp>
+        <p:nvSpPr>
+          <p:cNvPr id="31" name="TextBox 30">
+            <a:extLst>
+              <a:ext uri="{FF2B5EF4-FFF2-40B4-BE49-F238E27FC236}">
+                <a16:creationId xmlns:a16="http://schemas.microsoft.com/office/drawing/2014/main" id="{66F2EA0C-5E1E-BD49-8D7C-57E0954524A2}"/>
+              </a:ext>
+            </a:extLst>
+          </p:cNvPr>
+          <p:cNvSpPr txBox="1"/>
+          <p:nvPr/>
+        </p:nvSpPr>
+        <p:spPr>
+          <a:xfrm>
+            <a:off x="136240" y="2272262"/>
+            <a:ext cx="2382383" cy="523220"/>
+          </a:xfrm>
+          <a:prstGeom prst="rect">
+            <a:avLst/>
+          </a:prstGeom>
+          <a:noFill/>
+        </p:spPr>
+        <p:txBody>
+          <a:bodyPr wrap="none" rtlCol="0">
+            <a:spAutoFit/>
+          </a:bodyPr>
+          <a:lstStyle/>
+          <a:p>
+            <a:r>
+              <a:rPr lang="en-US" sz="2800" b="1" dirty="0"/>
+              <a:t>Outside of IRIS</a:t>
+            </a:r>
+          </a:p>
+        </p:txBody>
+      </p:sp>
     </p:spTree>
     <p:extLst>
       <p:ext uri="{BB962C8B-B14F-4D97-AF65-F5344CB8AC3E}">
@@ -5123,7 +6591,7 @@
 </p:sld>
 </file>
 
-<file path=ppt/slides/slide5.xml><?xml version="1.0" encoding="utf-8"?>
+<file path=ppt/slides/slide6.xml><?xml version="1.0" encoding="utf-8"?>
 <p:sld xmlns:a="http://schemas.openxmlformats.org/drawingml/2006/main" xmlns:r="http://schemas.openxmlformats.org/officeDocument/2006/relationships" xmlns:p="http://schemas.openxmlformats.org/presentationml/2006/main">
   <p:cSld>
     <p:spTree>
@@ -5228,7 +6696,7 @@
           <a:p>
             <a:fld id="{35A43AB0-3BDF-BB48-89EA-9F1E831E61CF}" type="slidenum">
               <a:rPr lang="en-US" smtClean="0"/>
-              <a:t>5</a:t>
+              <a:t>6</a:t>
             </a:fld>
             <a:endParaRPr lang="en-US"/>
           </a:p>
@@ -5251,7 +6719,7 @@
           </p:nvPr>
         </p:nvPicPr>
         <p:blipFill>
-          <a:blip r:embed="rId2"/>
+          <a:blip r:embed="rId3"/>
           <a:stretch>
             <a:fillRect/>
           </a:stretch>
@@ -5464,11 +6932,8 @@
             <a:pPr lvl="1"/>
             <a:r>
               <a:rPr lang="en-US" dirty="0"/>
-              <a:t>Init()</a:t>
-            </a:r>
-          </a:p>
-          <a:p>
-            <a:pPr lvl="1"/>
+              <a:t>Two virtual functions: Init(), </a:t>
+            </a:r>
             <a:r>
               <a:rPr lang="en-US" dirty="0" err="1"/>
               <a:t>GetDevices</a:t>
@@ -5564,7 +7029,7 @@
 </p:sld>
 </file>
 
-<file path=ppt/slides/slide6.xml><?xml version="1.0" encoding="utf-8"?>
+<file path=ppt/slides/slide7.xml><?xml version="1.0" encoding="utf-8"?>
 <p:sld xmlns:a="http://schemas.openxmlformats.org/drawingml/2006/main" xmlns:r="http://schemas.openxmlformats.org/officeDocument/2006/relationships" xmlns:p="http://schemas.openxmlformats.org/presentationml/2006/main">
   <p:cSld>
     <p:spTree>
@@ -5604,6 +7069,189 @@
           <a:p>
             <a:r>
               <a:rPr lang="en-US" dirty="0" err="1"/>
+              <a:t>src</a:t>
+            </a:r>
+            <a:r>
+              <a:rPr lang="en-US" dirty="0"/>
+              <a:t>/runtime/</a:t>
+            </a:r>
+            <a:r>
+              <a:rPr lang="en-US"/>
+              <a:t>Scheduler.cpp</a:t>
+            </a:r>
+            <a:endParaRPr lang="en-US" dirty="0"/>
+          </a:p>
+        </p:txBody>
+      </p:sp>
+      <p:sp>
+        <p:nvSpPr>
+          <p:cNvPr id="4" name="Footer Placeholder 3">
+            <a:extLst>
+              <a:ext uri="{FF2B5EF4-FFF2-40B4-BE49-F238E27FC236}">
+                <a16:creationId xmlns:a16="http://schemas.microsoft.com/office/drawing/2014/main" id="{D4CFC336-B5FD-8044-B936-D92EAE3BEE7C}"/>
+              </a:ext>
+            </a:extLst>
+          </p:cNvPr>
+          <p:cNvSpPr>
+            <a:spLocks noGrp="1"/>
+          </p:cNvSpPr>
+          <p:nvPr>
+            <p:ph type="ftr" sz="quarter" idx="11"/>
+          </p:nvPr>
+        </p:nvSpPr>
+        <p:spPr/>
+        <p:txBody>
+          <a:bodyPr/>
+          <a:lstStyle/>
+          <a:p>
+            <a:r>
+              <a:rPr lang="en-US"/>
+              <a:t>IRIS mini workshop 2022</a:t>
+            </a:r>
+          </a:p>
+        </p:txBody>
+      </p:sp>
+      <p:sp>
+        <p:nvSpPr>
+          <p:cNvPr id="7" name="Slide Number Placeholder 6">
+            <a:extLst>
+              <a:ext uri="{FF2B5EF4-FFF2-40B4-BE49-F238E27FC236}">
+                <a16:creationId xmlns:a16="http://schemas.microsoft.com/office/drawing/2014/main" id="{8EFB819F-CADA-514C-BAE9-91CF5F6231AF}"/>
+              </a:ext>
+            </a:extLst>
+          </p:cNvPr>
+          <p:cNvSpPr>
+            <a:spLocks noGrp="1"/>
+          </p:cNvSpPr>
+          <p:nvPr>
+            <p:ph type="sldNum" sz="quarter" idx="12"/>
+          </p:nvPr>
+        </p:nvSpPr>
+        <p:spPr/>
+        <p:txBody>
+          <a:bodyPr/>
+          <a:lstStyle/>
+          <a:p>
+            <a:fld id="{35A43AB0-3BDF-BB48-89EA-9F1E831E61CF}" type="slidenum">
+              <a:rPr lang="en-US" smtClean="0"/>
+              <a:t>7</a:t>
+            </a:fld>
+            <a:endParaRPr lang="en-US"/>
+          </a:p>
+        </p:txBody>
+      </p:sp>
+      <p:pic>
+        <p:nvPicPr>
+          <p:cNvPr id="17" name="Content Placeholder 16" descr="Text&#10;&#10;Description automatically generated">
+            <a:extLst>
+              <a:ext uri="{FF2B5EF4-FFF2-40B4-BE49-F238E27FC236}">
+                <a16:creationId xmlns:a16="http://schemas.microsoft.com/office/drawing/2014/main" id="{59893CF2-69EC-5B4B-B244-8A69ED754492}"/>
+              </a:ext>
+            </a:extLst>
+          </p:cNvPr>
+          <p:cNvPicPr>
+            <a:picLocks noGrp="1" noChangeAspect="1"/>
+          </p:cNvPicPr>
+          <p:nvPr>
+            <p:ph idx="1"/>
+          </p:nvPr>
+        </p:nvPicPr>
+        <p:blipFill>
+          <a:blip r:embed="rId3"/>
+          <a:stretch>
+            <a:fillRect/>
+          </a:stretch>
+        </p:blipFill>
+        <p:spPr>
+          <a:xfrm>
+            <a:off x="838200" y="1348898"/>
+            <a:ext cx="4799633" cy="4846638"/>
+          </a:xfrm>
+        </p:spPr>
+      </p:pic>
+      <p:pic>
+        <p:nvPicPr>
+          <p:cNvPr id="5" name="Picture 4" descr="Text&#10;&#10;Description automatically generated">
+            <a:extLst>
+              <a:ext uri="{FF2B5EF4-FFF2-40B4-BE49-F238E27FC236}">
+                <a16:creationId xmlns:a16="http://schemas.microsoft.com/office/drawing/2014/main" id="{31147724-C3BF-F24E-A9BD-95DA8DB70A0F}"/>
+              </a:ext>
+            </a:extLst>
+          </p:cNvPr>
+          <p:cNvPicPr>
+            <a:picLocks noChangeAspect="1"/>
+          </p:cNvPicPr>
+          <p:nvPr/>
+        </p:nvPicPr>
+        <p:blipFill>
+          <a:blip r:embed="rId4"/>
+          <a:stretch>
+            <a:fillRect/>
+          </a:stretch>
+        </p:blipFill>
+        <p:spPr>
+          <a:xfrm>
+            <a:off x="7168693" y="1348898"/>
+            <a:ext cx="4185107" cy="4846638"/>
+          </a:xfrm>
+          <a:prstGeom prst="rect">
+            <a:avLst/>
+          </a:prstGeom>
+        </p:spPr>
+      </p:pic>
+    </p:spTree>
+    <p:extLst>
+      <p:ext uri="{BB962C8B-B14F-4D97-AF65-F5344CB8AC3E}">
+        <p14:creationId xmlns:p14="http://schemas.microsoft.com/office/powerpoint/2010/main" val="1564031718"/>
+      </p:ext>
+    </p:extLst>
+  </p:cSld>
+  <p:clrMapOvr>
+    <a:masterClrMapping/>
+  </p:clrMapOvr>
+</p:sld>
+</file>
+
+<file path=ppt/slides/slide8.xml><?xml version="1.0" encoding="utf-8"?>
+<p:sld xmlns:a="http://schemas.openxmlformats.org/drawingml/2006/main" xmlns:r="http://schemas.openxmlformats.org/officeDocument/2006/relationships" xmlns:p="http://schemas.openxmlformats.org/presentationml/2006/main">
+  <p:cSld>
+    <p:spTree>
+      <p:nvGrpSpPr>
+        <p:cNvPr id="1" name=""/>
+        <p:cNvGrpSpPr/>
+        <p:nvPr/>
+      </p:nvGrpSpPr>
+      <p:grpSpPr>
+        <a:xfrm>
+          <a:off x="0" y="0"/>
+          <a:ext cx="0" cy="0"/>
+          <a:chOff x="0" y="0"/>
+          <a:chExt cx="0" cy="0"/>
+        </a:xfrm>
+      </p:grpSpPr>
+      <p:sp>
+        <p:nvSpPr>
+          <p:cNvPr id="2" name="Title 1">
+            <a:extLst>
+              <a:ext uri="{FF2B5EF4-FFF2-40B4-BE49-F238E27FC236}">
+                <a16:creationId xmlns:a16="http://schemas.microsoft.com/office/drawing/2014/main" id="{ADFFEE3C-4D25-EB43-8D3A-CF604FC7820A}"/>
+              </a:ext>
+            </a:extLst>
+          </p:cNvPr>
+          <p:cNvSpPr>
+            <a:spLocks noGrp="1"/>
+          </p:cNvSpPr>
+          <p:nvPr>
+            <p:ph type="title"/>
+          </p:nvPr>
+        </p:nvSpPr>
+        <p:spPr/>
+        <p:txBody>
+          <a:bodyPr/>
+          <a:lstStyle/>
+          <a:p>
+            <a:r>
+              <a:rPr lang="en-US" dirty="0" err="1"/>
               <a:t>custom_policy</a:t>
             </a:r>
             <a:r>
@@ -5669,7 +7317,7 @@
           <a:p>
             <a:fld id="{35A43AB0-3BDF-BB48-89EA-9F1E831E61CF}" type="slidenum">
               <a:rPr lang="en-US" smtClean="0"/>
-              <a:t>6</a:t>
+              <a:t>8</a:t>
             </a:fld>
             <a:endParaRPr lang="en-US"/>
           </a:p>
@@ -5717,7 +7365,7 @@
 </p:sld>
 </file>
 
-<file path=ppt/slides/slide7.xml><?xml version="1.0" encoding="utf-8"?>
+<file path=ppt/slides/slide9.xml><?xml version="1.0" encoding="utf-8"?>
 <p:sld xmlns:a="http://schemas.openxmlformats.org/drawingml/2006/main" xmlns:r="http://schemas.openxmlformats.org/officeDocument/2006/relationships" xmlns:p="http://schemas.openxmlformats.org/presentationml/2006/main">
   <p:cSld>
     <p:spTree>
@@ -5822,7 +7470,7 @@
           <a:p>
             <a:fld id="{35A43AB0-3BDF-BB48-89EA-9F1E831E61CF}" type="slidenum">
               <a:rPr lang="en-US" smtClean="0"/>
-              <a:t>7</a:t>
+              <a:t>9</a:t>
             </a:fld>
             <a:endParaRPr lang="en-US"/>
           </a:p>
@@ -5861,338 +7509,6 @@
     <p:extLst>
       <p:ext uri="{BB962C8B-B14F-4D97-AF65-F5344CB8AC3E}">
         <p14:creationId xmlns:p14="http://schemas.microsoft.com/office/powerpoint/2010/main" val="3736939617"/>
-      </p:ext>
-    </p:extLst>
-  </p:cSld>
-  <p:clrMapOvr>
-    <a:masterClrMapping/>
-  </p:clrMapOvr>
-</p:sld>
-</file>
-
-<file path=ppt/slides/slide8.xml><?xml version="1.0" encoding="utf-8"?>
-<p:sld xmlns:a="http://schemas.openxmlformats.org/drawingml/2006/main" xmlns:r="http://schemas.openxmlformats.org/officeDocument/2006/relationships" xmlns:p="http://schemas.openxmlformats.org/presentationml/2006/main">
-  <p:cSld>
-    <p:spTree>
-      <p:nvGrpSpPr>
-        <p:cNvPr id="1" name=""/>
-        <p:cNvGrpSpPr/>
-        <p:nvPr/>
-      </p:nvGrpSpPr>
-      <p:grpSpPr>
-        <a:xfrm>
-          <a:off x="0" y="0"/>
-          <a:ext cx="0" cy="0"/>
-          <a:chOff x="0" y="0"/>
-          <a:chExt cx="0" cy="0"/>
-        </a:xfrm>
-      </p:grpSpPr>
-      <p:sp>
-        <p:nvSpPr>
-          <p:cNvPr id="2" name="Title 1">
-            <a:extLst>
-              <a:ext uri="{FF2B5EF4-FFF2-40B4-BE49-F238E27FC236}">
-                <a16:creationId xmlns:a16="http://schemas.microsoft.com/office/drawing/2014/main" id="{C30E61D6-80D8-F949-8809-BBEC2339D288}"/>
-              </a:ext>
-            </a:extLst>
-          </p:cNvPr>
-          <p:cNvSpPr>
-            <a:spLocks noGrp="1"/>
-          </p:cNvSpPr>
-          <p:nvPr>
-            <p:ph type="title"/>
-          </p:nvPr>
-        </p:nvSpPr>
-        <p:spPr/>
-        <p:txBody>
-          <a:bodyPr/>
-          <a:lstStyle/>
-          <a:p>
-            <a:r>
-              <a:rPr lang="en-US" dirty="0" err="1"/>
-              <a:t>custom_policy</a:t>
-            </a:r>
-            <a:r>
-              <a:rPr lang="en-US" dirty="0"/>
-              <a:t>/</a:t>
-            </a:r>
-            <a:r>
-              <a:rPr lang="en-US" dirty="0" err="1"/>
-              <a:t>custom_policy</a:t>
-            </a:r>
-            <a:r>
-              <a:rPr lang="en-US"/>
-              <a:t> 8 </a:t>
-            </a:r>
-            <a:r>
-              <a:rPr lang="en-US">
-                <a:sym typeface="Wingdings" pitchFamily="2" charset="2"/>
-              </a:rPr>
-              <a:t> </a:t>
-            </a:r>
-            <a:r>
-              <a:rPr lang="en-US" dirty="0">
-                <a:sym typeface="Wingdings" pitchFamily="2" charset="2"/>
-              </a:rPr>
-              <a:t>CPU</a:t>
-            </a:r>
-            <a:endParaRPr lang="en-US" dirty="0"/>
-          </a:p>
-        </p:txBody>
-      </p:sp>
-      <p:pic>
-        <p:nvPicPr>
-          <p:cNvPr id="7" name="Content Placeholder 6" descr="Text&#10;&#10;Description automatically generated">
-            <a:extLst>
-              <a:ext uri="{FF2B5EF4-FFF2-40B4-BE49-F238E27FC236}">
-                <a16:creationId xmlns:a16="http://schemas.microsoft.com/office/drawing/2014/main" id="{9999A8DB-2649-3943-ABB8-5F6192857F79}"/>
-              </a:ext>
-            </a:extLst>
-          </p:cNvPr>
-          <p:cNvPicPr>
-            <a:picLocks noGrp="1" noChangeAspect="1"/>
-          </p:cNvPicPr>
-          <p:nvPr>
-            <p:ph idx="1"/>
-          </p:nvPr>
-        </p:nvPicPr>
-        <p:blipFill>
-          <a:blip r:embed="rId2"/>
-          <a:stretch>
-            <a:fillRect/>
-          </a:stretch>
-        </p:blipFill>
-        <p:spPr>
-          <a:xfrm>
-            <a:off x="2599989" y="1314450"/>
-            <a:ext cx="6992021" cy="4846638"/>
-          </a:xfrm>
-        </p:spPr>
-      </p:pic>
-      <p:sp>
-        <p:nvSpPr>
-          <p:cNvPr id="4" name="Footer Placeholder 3">
-            <a:extLst>
-              <a:ext uri="{FF2B5EF4-FFF2-40B4-BE49-F238E27FC236}">
-                <a16:creationId xmlns:a16="http://schemas.microsoft.com/office/drawing/2014/main" id="{8B3ACC4C-A074-1D4E-8B1D-6D9367C6A9A9}"/>
-              </a:ext>
-            </a:extLst>
-          </p:cNvPr>
-          <p:cNvSpPr>
-            <a:spLocks noGrp="1"/>
-          </p:cNvSpPr>
-          <p:nvPr>
-            <p:ph type="ftr" sz="quarter" idx="11"/>
-          </p:nvPr>
-        </p:nvSpPr>
-        <p:spPr/>
-        <p:txBody>
-          <a:bodyPr/>
-          <a:lstStyle/>
-          <a:p>
-            <a:r>
-              <a:rPr lang="en-US"/>
-              <a:t>IRIS mini workshop 2022</a:t>
-            </a:r>
-          </a:p>
-        </p:txBody>
-      </p:sp>
-      <p:sp>
-        <p:nvSpPr>
-          <p:cNvPr id="5" name="Slide Number Placeholder 4">
-            <a:extLst>
-              <a:ext uri="{FF2B5EF4-FFF2-40B4-BE49-F238E27FC236}">
-                <a16:creationId xmlns:a16="http://schemas.microsoft.com/office/drawing/2014/main" id="{557FDD0E-AA77-E14A-B119-984AF3024AE7}"/>
-              </a:ext>
-            </a:extLst>
-          </p:cNvPr>
-          <p:cNvSpPr>
-            <a:spLocks noGrp="1"/>
-          </p:cNvSpPr>
-          <p:nvPr>
-            <p:ph type="sldNum" sz="quarter" idx="12"/>
-          </p:nvPr>
-        </p:nvSpPr>
-        <p:spPr/>
-        <p:txBody>
-          <a:bodyPr/>
-          <a:lstStyle/>
-          <a:p>
-            <a:fld id="{35A43AB0-3BDF-BB48-89EA-9F1E831E61CF}" type="slidenum">
-              <a:rPr lang="en-US" smtClean="0"/>
-              <a:t>8</a:t>
-            </a:fld>
-            <a:endParaRPr lang="en-US"/>
-          </a:p>
-        </p:txBody>
-      </p:sp>
-    </p:spTree>
-    <p:extLst>
-      <p:ext uri="{BB962C8B-B14F-4D97-AF65-F5344CB8AC3E}">
-        <p14:creationId xmlns:p14="http://schemas.microsoft.com/office/powerpoint/2010/main" val="778966031"/>
-      </p:ext>
-    </p:extLst>
-  </p:cSld>
-  <p:clrMapOvr>
-    <a:masterClrMapping/>
-  </p:clrMapOvr>
-</p:sld>
-</file>
-
-<file path=ppt/slides/slide9.xml><?xml version="1.0" encoding="utf-8"?>
-<p:sld xmlns:a="http://schemas.openxmlformats.org/drawingml/2006/main" xmlns:r="http://schemas.openxmlformats.org/officeDocument/2006/relationships" xmlns:p="http://schemas.openxmlformats.org/presentationml/2006/main">
-  <p:cSld>
-    <p:spTree>
-      <p:nvGrpSpPr>
-        <p:cNvPr id="1" name=""/>
-        <p:cNvGrpSpPr/>
-        <p:nvPr/>
-      </p:nvGrpSpPr>
-      <p:grpSpPr>
-        <a:xfrm>
-          <a:off x="0" y="0"/>
-          <a:ext cx="0" cy="0"/>
-          <a:chOff x="0" y="0"/>
-          <a:chExt cx="0" cy="0"/>
-        </a:xfrm>
-      </p:grpSpPr>
-      <p:sp>
-        <p:nvSpPr>
-          <p:cNvPr id="2" name="Title 1">
-            <a:extLst>
-              <a:ext uri="{FF2B5EF4-FFF2-40B4-BE49-F238E27FC236}">
-                <a16:creationId xmlns:a16="http://schemas.microsoft.com/office/drawing/2014/main" id="{C30E61D6-80D8-F949-8809-BBEC2339D288}"/>
-              </a:ext>
-            </a:extLst>
-          </p:cNvPr>
-          <p:cNvSpPr>
-            <a:spLocks noGrp="1"/>
-          </p:cNvSpPr>
-          <p:nvPr>
-            <p:ph type="title"/>
-          </p:nvPr>
-        </p:nvSpPr>
-        <p:spPr/>
-        <p:txBody>
-          <a:bodyPr/>
-          <a:lstStyle/>
-          <a:p>
-            <a:r>
-              <a:rPr lang="en-US" dirty="0" err="1"/>
-              <a:t>custom_policy</a:t>
-            </a:r>
-            <a:r>
-              <a:rPr lang="en-US" dirty="0"/>
-              <a:t>/</a:t>
-            </a:r>
-            <a:r>
-              <a:rPr lang="en-US" dirty="0" err="1"/>
-              <a:t>custom_policy</a:t>
-            </a:r>
-            <a:r>
-              <a:rPr lang="en-US" dirty="0"/>
-              <a:t> 32 </a:t>
-            </a:r>
-            <a:r>
-              <a:rPr lang="en-US" dirty="0">
-                <a:sym typeface="Wingdings" pitchFamily="2" charset="2"/>
-              </a:rPr>
-              <a:t> GPU</a:t>
-            </a:r>
-            <a:endParaRPr lang="en-US" dirty="0"/>
-          </a:p>
-        </p:txBody>
-      </p:sp>
-      <p:sp>
-        <p:nvSpPr>
-          <p:cNvPr id="4" name="Footer Placeholder 3">
-            <a:extLst>
-              <a:ext uri="{FF2B5EF4-FFF2-40B4-BE49-F238E27FC236}">
-                <a16:creationId xmlns:a16="http://schemas.microsoft.com/office/drawing/2014/main" id="{8B3ACC4C-A074-1D4E-8B1D-6D9367C6A9A9}"/>
-              </a:ext>
-            </a:extLst>
-          </p:cNvPr>
-          <p:cNvSpPr>
-            <a:spLocks noGrp="1"/>
-          </p:cNvSpPr>
-          <p:nvPr>
-            <p:ph type="ftr" sz="quarter" idx="11"/>
-          </p:nvPr>
-        </p:nvSpPr>
-        <p:spPr/>
-        <p:txBody>
-          <a:bodyPr/>
-          <a:lstStyle/>
-          <a:p>
-            <a:r>
-              <a:rPr lang="en-US"/>
-              <a:t>IRIS mini workshop 2022</a:t>
-            </a:r>
-          </a:p>
-        </p:txBody>
-      </p:sp>
-      <p:sp>
-        <p:nvSpPr>
-          <p:cNvPr id="5" name="Slide Number Placeholder 4">
-            <a:extLst>
-              <a:ext uri="{FF2B5EF4-FFF2-40B4-BE49-F238E27FC236}">
-                <a16:creationId xmlns:a16="http://schemas.microsoft.com/office/drawing/2014/main" id="{557FDD0E-AA77-E14A-B119-984AF3024AE7}"/>
-              </a:ext>
-            </a:extLst>
-          </p:cNvPr>
-          <p:cNvSpPr>
-            <a:spLocks noGrp="1"/>
-          </p:cNvSpPr>
-          <p:nvPr>
-            <p:ph type="sldNum" sz="quarter" idx="12"/>
-          </p:nvPr>
-        </p:nvSpPr>
-        <p:spPr/>
-        <p:txBody>
-          <a:bodyPr/>
-          <a:lstStyle/>
-          <a:p>
-            <a:fld id="{35A43AB0-3BDF-BB48-89EA-9F1E831E61CF}" type="slidenum">
-              <a:rPr lang="en-US" smtClean="0"/>
-              <a:t>9</a:t>
-            </a:fld>
-            <a:endParaRPr lang="en-US"/>
-          </a:p>
-        </p:txBody>
-      </p:sp>
-      <p:pic>
-        <p:nvPicPr>
-          <p:cNvPr id="9" name="Content Placeholder 8" descr="Text&#10;&#10;Description automatically generated">
-            <a:extLst>
-              <a:ext uri="{FF2B5EF4-FFF2-40B4-BE49-F238E27FC236}">
-                <a16:creationId xmlns:a16="http://schemas.microsoft.com/office/drawing/2014/main" id="{63282A00-49D8-C043-B84D-82AAFD66E7DE}"/>
-              </a:ext>
-            </a:extLst>
-          </p:cNvPr>
-          <p:cNvPicPr>
-            <a:picLocks noGrp="1" noChangeAspect="1"/>
-          </p:cNvPicPr>
-          <p:nvPr>
-            <p:ph idx="1"/>
-          </p:nvPr>
-        </p:nvPicPr>
-        <p:blipFill>
-          <a:blip r:embed="rId2"/>
-          <a:stretch>
-            <a:fillRect/>
-          </a:stretch>
-        </p:blipFill>
-        <p:spPr>
-          <a:xfrm>
-            <a:off x="2599989" y="1314450"/>
-            <a:ext cx="6992021" cy="4846638"/>
-          </a:xfrm>
-        </p:spPr>
-      </p:pic>
-    </p:spTree>
-    <p:extLst>
-      <p:ext uri="{BB962C8B-B14F-4D97-AF65-F5344CB8AC3E}">
-        <p14:creationId xmlns:p14="http://schemas.microsoft.com/office/powerpoint/2010/main" val="3330991529"/>
       </p:ext>
     </p:extLst>
   </p:cSld>

--- a/pdf/2022-miniworkshop-custompolicy.pptx
+++ b/pdf/2022-miniworkshop-custompolicy.pptx
@@ -15,7 +15,7 @@
     <p:sldId id="330" r:id="rId6"/>
     <p:sldId id="263" r:id="rId7"/>
     <p:sldId id="338" r:id="rId8"/>
-    <p:sldId id="334" r:id="rId9"/>
+    <p:sldId id="339" r:id="rId9"/>
     <p:sldId id="333" r:id="rId10"/>
     <p:sldId id="335" r:id="rId11"/>
     <p:sldId id="336" r:id="rId12"/>
@@ -717,6 +717,90 @@
     <p:extLst>
       <p:ext uri="{BB962C8B-B14F-4D97-AF65-F5344CB8AC3E}">
         <p14:creationId xmlns:p14="http://schemas.microsoft.com/office/powerpoint/2010/main" val="1138363743"/>
+      </p:ext>
+    </p:extLst>
+  </p:cSld>
+  <p:clrMapOvr>
+    <a:masterClrMapping/>
+  </p:clrMapOvr>
+</p:notes>
+</file>
+
+<file path=ppt/notesSlides/notesSlide4.xml><?xml version="1.0" encoding="utf-8"?>
+<p:notes xmlns:a="http://schemas.openxmlformats.org/drawingml/2006/main" xmlns:r="http://schemas.openxmlformats.org/officeDocument/2006/relationships" xmlns:p="http://schemas.openxmlformats.org/presentationml/2006/main">
+  <p:cSld>
+    <p:spTree>
+      <p:nvGrpSpPr>
+        <p:cNvPr id="1" name=""/>
+        <p:cNvGrpSpPr/>
+        <p:nvPr/>
+      </p:nvGrpSpPr>
+      <p:grpSpPr>
+        <a:xfrm>
+          <a:off x="0" y="0"/>
+          <a:ext cx="0" cy="0"/>
+          <a:chOff x="0" y="0"/>
+          <a:chExt cx="0" cy="0"/>
+        </a:xfrm>
+      </p:grpSpPr>
+      <p:sp>
+        <p:nvSpPr>
+          <p:cNvPr id="2" name="Slide Image Placeholder 1"/>
+          <p:cNvSpPr>
+            <a:spLocks noGrp="1" noRot="1" noChangeAspect="1"/>
+          </p:cNvSpPr>
+          <p:nvPr>
+            <p:ph type="sldImg"/>
+          </p:nvPr>
+        </p:nvSpPr>
+        <p:spPr/>
+      </p:sp>
+      <p:sp>
+        <p:nvSpPr>
+          <p:cNvPr id="3" name="Notes Placeholder 2"/>
+          <p:cNvSpPr>
+            <a:spLocks noGrp="1"/>
+          </p:cNvSpPr>
+          <p:nvPr>
+            <p:ph type="body" idx="1"/>
+          </p:nvPr>
+        </p:nvSpPr>
+        <p:spPr/>
+        <p:txBody>
+          <a:bodyPr/>
+          <a:lstStyle/>
+          <a:p>
+            <a:endParaRPr lang="en-US" dirty="0"/>
+          </a:p>
+        </p:txBody>
+      </p:sp>
+      <p:sp>
+        <p:nvSpPr>
+          <p:cNvPr id="4" name="Slide Number Placeholder 3"/>
+          <p:cNvSpPr>
+            <a:spLocks noGrp="1"/>
+          </p:cNvSpPr>
+          <p:nvPr>
+            <p:ph type="sldNum" sz="quarter" idx="5"/>
+          </p:nvPr>
+        </p:nvSpPr>
+        <p:spPr/>
+        <p:txBody>
+          <a:bodyPr/>
+          <a:lstStyle/>
+          <a:p>
+            <a:fld id="{DCD0CB05-3D54-7442-9433-DE06E6A20F7D}" type="slidenum">
+              <a:rPr lang="en-US" smtClean="0"/>
+              <a:t>10</a:t>
+            </a:fld>
+            <a:endParaRPr lang="en-US"/>
+          </a:p>
+        </p:txBody>
+      </p:sp>
+    </p:spTree>
+    <p:extLst>
+      <p:ext uri="{BB962C8B-B14F-4D97-AF65-F5344CB8AC3E}">
+        <p14:creationId xmlns:p14="http://schemas.microsoft.com/office/powerpoint/2010/main" val="3131439449"/>
       </p:ext>
     </p:extLst>
   </p:cSld>
@@ -4179,7 +4263,7 @@
           </p:nvPr>
         </p:nvPicPr>
         <p:blipFill>
-          <a:blip r:embed="rId2"/>
+          <a:blip r:embed="rId3"/>
           <a:stretch>
             <a:fillRect/>
           </a:stretch>
@@ -7076,7 +7160,7 @@
               <a:t>/runtime/</a:t>
             </a:r>
             <a:r>
-              <a:rPr lang="en-US"/>
+              <a:rPr lang="en-US" dirty="0" err="1"/>
               <a:t>Scheduler.cpp</a:t>
             </a:r>
             <a:endParaRPr lang="en-US" dirty="0"/>
@@ -7234,7 +7318,7 @@
           <p:cNvPr id="2" name="Title 1">
             <a:extLst>
               <a:ext uri="{FF2B5EF4-FFF2-40B4-BE49-F238E27FC236}">
-                <a16:creationId xmlns:a16="http://schemas.microsoft.com/office/drawing/2014/main" id="{ADFFEE3C-4D25-EB43-8D3A-CF604FC7820A}"/>
+                <a16:creationId xmlns:a16="http://schemas.microsoft.com/office/drawing/2014/main" id="{4106A8CD-80CD-574C-8082-F61B9857D45C}"/>
               </a:ext>
             </a:extLst>
           </p:cNvPr>
@@ -7268,10 +7352,139 @@
       </p:sp>
       <p:sp>
         <p:nvSpPr>
+          <p:cNvPr id="3" name="Content Placeholder 2">
+            <a:extLst>
+              <a:ext uri="{FF2B5EF4-FFF2-40B4-BE49-F238E27FC236}">
+                <a16:creationId xmlns:a16="http://schemas.microsoft.com/office/drawing/2014/main" id="{0678B94A-CD68-2245-9490-2A30FB80ED70}"/>
+              </a:ext>
+            </a:extLst>
+          </p:cNvPr>
+          <p:cNvSpPr>
+            <a:spLocks noGrp="1"/>
+          </p:cNvSpPr>
+          <p:nvPr>
+            <p:ph idx="1"/>
+          </p:nvPr>
+        </p:nvSpPr>
+        <p:spPr>
+          <a:xfrm>
+            <a:off x="6388100" y="1315233"/>
+            <a:ext cx="4965700" cy="4846320"/>
+          </a:xfrm>
+        </p:spPr>
+        <p:txBody>
+          <a:bodyPr/>
+          <a:lstStyle/>
+          <a:p>
+            <a:r>
+              <a:rPr lang="en-US" dirty="0" err="1"/>
+              <a:t>iris_register_policy</a:t>
+            </a:r>
+            <a:r>
+              <a:rPr lang="en-US" dirty="0"/>
+              <a:t>(</a:t>
+            </a:r>
+            <a:br>
+              <a:rPr lang="en-US" dirty="0"/>
+            </a:br>
+            <a:r>
+              <a:rPr lang="en-US" dirty="0"/>
+              <a:t>    </a:t>
+            </a:r>
+            <a:r>
+              <a:rPr lang="en-US" dirty="0" err="1"/>
+              <a:t>shared_library_path</a:t>
+            </a:r>
+            <a:r>
+              <a:rPr lang="en-US" dirty="0"/>
+              <a:t>,</a:t>
+            </a:r>
+            <a:br>
+              <a:rPr lang="en-US" dirty="0"/>
+            </a:br>
+            <a:r>
+              <a:rPr lang="en-US" dirty="0"/>
+              <a:t>    </a:t>
+            </a:r>
+            <a:r>
+              <a:rPr lang="en-US" b="1" i="1" dirty="0" err="1"/>
+              <a:t>policy_name</a:t>
+            </a:r>
+            <a:r>
+              <a:rPr lang="en-US" dirty="0"/>
+              <a:t>,</a:t>
+            </a:r>
+            <a:br>
+              <a:rPr lang="en-US" dirty="0"/>
+            </a:br>
+            <a:r>
+              <a:rPr lang="en-US" dirty="0"/>
+              <a:t>    </a:t>
+            </a:r>
+            <a:r>
+              <a:rPr lang="en-US" dirty="0" err="1"/>
+              <a:t>init_params</a:t>
+            </a:r>
+            <a:r>
+              <a:rPr lang="en-US" dirty="0"/>
+              <a:t>);</a:t>
+            </a:r>
+          </a:p>
+          <a:p>
+            <a:endParaRPr lang="en-US" dirty="0"/>
+          </a:p>
+          <a:p>
+            <a:r>
+              <a:rPr lang="en-US" dirty="0" err="1"/>
+              <a:t>iris_task_submit</a:t>
+            </a:r>
+            <a:r>
+              <a:rPr lang="en-US" dirty="0"/>
+              <a:t>(…</a:t>
+            </a:r>
+            <a:br>
+              <a:rPr lang="en-US" dirty="0"/>
+            </a:br>
+            <a:r>
+              <a:rPr lang="en-US" dirty="0"/>
+              <a:t>    </a:t>
+            </a:r>
+            <a:r>
+              <a:rPr lang="en-US" dirty="0" err="1"/>
+              <a:t>iris_custom</a:t>
+            </a:r>
+            <a:r>
+              <a:rPr lang="en-US" dirty="0"/>
+              <a:t>,</a:t>
+            </a:r>
+            <a:br>
+              <a:rPr lang="en-US" dirty="0"/>
+            </a:br>
+            <a:r>
+              <a:rPr lang="en-US" dirty="0"/>
+              <a:t>    </a:t>
+            </a:r>
+            <a:r>
+              <a:rPr lang="en-US" b="1" i="1" dirty="0" err="1"/>
+              <a:t>policy_name</a:t>
+            </a:r>
+            <a:r>
+              <a:rPr lang="en-US" dirty="0"/>
+              <a:t>, …);</a:t>
+            </a:r>
+            <a:br>
+              <a:rPr lang="en-US" dirty="0"/>
+            </a:br>
+            <a:endParaRPr lang="en-US" dirty="0"/>
+          </a:p>
+        </p:txBody>
+      </p:sp>
+      <p:sp>
+        <p:nvSpPr>
           <p:cNvPr id="4" name="Footer Placeholder 3">
             <a:extLst>
               <a:ext uri="{FF2B5EF4-FFF2-40B4-BE49-F238E27FC236}">
-                <a16:creationId xmlns:a16="http://schemas.microsoft.com/office/drawing/2014/main" id="{D4CFC336-B5FD-8044-B936-D92EAE3BEE7C}"/>
+                <a16:creationId xmlns:a16="http://schemas.microsoft.com/office/drawing/2014/main" id="{DFF0CCC0-3C6F-3246-86A9-D87BC35A6642}"/>
               </a:ext>
             </a:extLst>
           </p:cNvPr>
@@ -7296,10 +7509,10 @@
       </p:sp>
       <p:sp>
         <p:nvSpPr>
-          <p:cNvPr id="7" name="Slide Number Placeholder 6">
-            <a:extLst>
-              <a:ext uri="{FF2B5EF4-FFF2-40B4-BE49-F238E27FC236}">
-                <a16:creationId xmlns:a16="http://schemas.microsoft.com/office/drawing/2014/main" id="{8EFB819F-CADA-514C-BAE9-91CF5F6231AF}"/>
+          <p:cNvPr id="5" name="Slide Number Placeholder 4">
+            <a:extLst>
+              <a:ext uri="{FF2B5EF4-FFF2-40B4-BE49-F238E27FC236}">
+                <a16:creationId xmlns:a16="http://schemas.microsoft.com/office/drawing/2014/main" id="{3A9C83E7-DE86-5641-B94F-C03A31F6EC27}"/>
               </a:ext>
             </a:extLst>
           </p:cNvPr>
@@ -7325,19 +7538,17 @@
       </p:sp>
       <p:pic>
         <p:nvPicPr>
-          <p:cNvPr id="8" name="Content Placeholder 7" descr="Text&#10;&#10;Description automatically generated">
-            <a:extLst>
-              <a:ext uri="{FF2B5EF4-FFF2-40B4-BE49-F238E27FC236}">
-                <a16:creationId xmlns:a16="http://schemas.microsoft.com/office/drawing/2014/main" id="{0BEFF200-E2C8-624B-906C-67FF479E6D78}"/>
+          <p:cNvPr id="6" name="Content Placeholder 7" descr="Text&#10;&#10;Description automatically generated">
+            <a:extLst>
+              <a:ext uri="{FF2B5EF4-FFF2-40B4-BE49-F238E27FC236}">
+                <a16:creationId xmlns:a16="http://schemas.microsoft.com/office/drawing/2014/main" id="{6169C972-42F4-E849-ACA0-6F9D4356C843}"/>
               </a:ext>
             </a:extLst>
           </p:cNvPr>
           <p:cNvPicPr>
-            <a:picLocks noGrp="1" noChangeAspect="1"/>
+            <a:picLocks noChangeAspect="1"/>
           </p:cNvPicPr>
-          <p:nvPr>
-            <p:ph idx="1"/>
-          </p:nvPr>
+          <p:nvPr/>
         </p:nvPicPr>
         <p:blipFill>
           <a:blip r:embed="rId2"/>
@@ -7347,15 +7558,18 @@
         </p:blipFill>
         <p:spPr>
           <a:xfrm>
-            <a:off x="3509127" y="1314450"/>
+            <a:off x="838200" y="1348898"/>
             <a:ext cx="5173745" cy="4846638"/>
           </a:xfrm>
+          <a:prstGeom prst="rect">
+            <a:avLst/>
+          </a:prstGeom>
         </p:spPr>
       </p:pic>
     </p:spTree>
     <p:extLst>
       <p:ext uri="{BB962C8B-B14F-4D97-AF65-F5344CB8AC3E}">
-        <p14:creationId xmlns:p14="http://schemas.microsoft.com/office/powerpoint/2010/main" val="1489015266"/>
+        <p14:creationId xmlns:p14="http://schemas.microsoft.com/office/powerpoint/2010/main" val="2812623958"/>
       </p:ext>
     </p:extLst>
   </p:cSld>

--- a/pdf/2022-miniworkshop-custompolicy.pptx
+++ b/pdf/2022-miniworkshop-custompolicy.pptx
@@ -4548,7 +4548,7 @@
           <a:p>
             <a:r>
               <a:rPr lang="en-US" dirty="0"/>
-              <a:t>Application: tutorials/</a:t>
+              <a:t>Application: apps/</a:t>
             </a:r>
             <a:r>
               <a:rPr lang="en-US" dirty="0" err="1"/>
